--- a/classes/Physics9ab/downloads/Momentum.pptx
+++ b/classes/Physics9ab/downloads/Momentum.pptx
@@ -10,9 +10,15 @@
     <p:sldId id="258" r:id="rId4"/>
     <p:sldId id="262" r:id="rId5"/>
     <p:sldId id="259" r:id="rId6"/>
-    <p:sldId id="260" r:id="rId7"/>
-    <p:sldId id="261" r:id="rId8"/>
-    <p:sldId id="263" r:id="rId9"/>
+    <p:sldId id="264" r:id="rId7"/>
+    <p:sldId id="265" r:id="rId8"/>
+    <p:sldId id="260" r:id="rId9"/>
+    <p:sldId id="261" r:id="rId10"/>
+    <p:sldId id="266" r:id="rId11"/>
+    <p:sldId id="267" r:id="rId12"/>
+    <p:sldId id="263" r:id="rId13"/>
+    <p:sldId id="268" r:id="rId14"/>
+    <p:sldId id="269" r:id="rId15"/>
   </p:sldIdLst>
   <p:sldSz cx="12192000" cy="6858000"/>
   <p:notesSz cx="6858000" cy="9144000"/>
@@ -3033,6 +3039,898 @@
 </p:sld>
 </file>
 
+<file path=ppt/slides/slide10.xml><?xml version="1.0" encoding="utf-8"?>
+<p:sld xmlns:a="http://schemas.openxmlformats.org/drawingml/2006/main" xmlns:r="http://schemas.openxmlformats.org/officeDocument/2006/relationships" xmlns:p="http://schemas.openxmlformats.org/presentationml/2006/main">
+  <p:cSld>
+    <p:spTree>
+      <p:nvGrpSpPr>
+        <p:cNvPr id="1" name=""/>
+        <p:cNvGrpSpPr/>
+        <p:nvPr/>
+      </p:nvGrpSpPr>
+      <p:grpSpPr>
+        <a:xfrm>
+          <a:off x="0" y="0"/>
+          <a:ext cx="0" cy="0"/>
+          <a:chOff x="0" y="0"/>
+          <a:chExt cx="0" cy="0"/>
+        </a:xfrm>
+      </p:grpSpPr>
+      <p:sp>
+        <p:nvSpPr>
+          <p:cNvPr id="2" name="Title 1"/>
+          <p:cNvSpPr>
+            <a:spLocks noGrp="1"/>
+          </p:cNvSpPr>
+          <p:nvPr>
+            <p:ph type="title"/>
+          </p:nvPr>
+        </p:nvSpPr>
+        <p:spPr/>
+        <p:txBody>
+          <a:bodyPr/>
+          <a:lstStyle/>
+          <a:p>
+            <a:r>
+              <a:rPr lang="en-US" dirty="0" smtClean="0"/>
+              <a:t>Recoil of guns</a:t>
+            </a:r>
+            <a:endParaRPr lang="en-US" dirty="0"/>
+          </a:p>
+        </p:txBody>
+      </p:sp>
+      <p:sp>
+        <p:nvSpPr>
+          <p:cNvPr id="3" name="Content Placeholder 2"/>
+          <p:cNvSpPr>
+            <a:spLocks noGrp="1"/>
+          </p:cNvSpPr>
+          <p:nvPr>
+            <p:ph idx="1"/>
+          </p:nvPr>
+        </p:nvSpPr>
+        <p:spPr/>
+        <p:txBody>
+          <a:bodyPr/>
+          <a:lstStyle/>
+          <a:p>
+            <a:r>
+              <a:rPr lang="en-US" dirty="0" smtClean="0">
+                <a:hlinkClick r:id="rId2"/>
+              </a:rPr>
+              <a:t>https://www.youtube.com/watch?v=aMTSaeo85TE</a:t>
+            </a:r>
+            <a:endParaRPr lang="en-US" dirty="0" smtClean="0"/>
+          </a:p>
+          <a:p>
+            <a:r>
+              <a:rPr lang="en-US" dirty="0" smtClean="0"/>
+              <a:t>Classic problem:</a:t>
+            </a:r>
+          </a:p>
+          <a:p>
+            <a:r>
+              <a:rPr lang="en-US" dirty="0" smtClean="0"/>
+              <a:t>There is a wheeled, 500 kg cannon firing a 2 kg cannonball horizontally from a ship. The ball leaves the cannon traveling at 200 m/s. At what speed does the cannon recoil as a result?</a:t>
+            </a:r>
+          </a:p>
+          <a:p>
+            <a:endParaRPr lang="en-US" dirty="0"/>
+          </a:p>
+        </p:txBody>
+      </p:sp>
+    </p:spTree>
+    <p:extLst>
+      <p:ext uri="{BB962C8B-B14F-4D97-AF65-F5344CB8AC3E}">
+        <p14:creationId xmlns:p14="http://schemas.microsoft.com/office/powerpoint/2010/main" val="2225076441"/>
+      </p:ext>
+    </p:extLst>
+  </p:cSld>
+  <p:clrMapOvr>
+    <a:masterClrMapping/>
+  </p:clrMapOvr>
+  <p:timing>
+    <p:tnLst>
+      <p:par>
+        <p:cTn id="1" dur="indefinite" restart="never" nodeType="tmRoot">
+          <p:childTnLst>
+            <p:seq concurrent="1" nextAc="seek">
+              <p:cTn id="2" dur="indefinite" nodeType="mainSeq">
+                <p:childTnLst>
+                  <p:par>
+                    <p:cTn id="3" fill="hold">
+                      <p:stCondLst>
+                        <p:cond delay="indefinite"/>
+                      </p:stCondLst>
+                      <p:childTnLst>
+                        <p:par>
+                          <p:cTn id="4" fill="hold">
+                            <p:stCondLst>
+                              <p:cond delay="0"/>
+                            </p:stCondLst>
+                            <p:childTnLst>
+                              <p:par>
+                                <p:cTn id="5" presetID="42" presetClass="entr" presetSubtype="0" fill="hold" nodeType="clickEffect">
+                                  <p:stCondLst>
+                                    <p:cond delay="0"/>
+                                  </p:stCondLst>
+                                  <p:childTnLst>
+                                    <p:set>
+                                      <p:cBhvr>
+                                        <p:cTn id="6" dur="1" fill="hold">
+                                          <p:stCondLst>
+                                            <p:cond delay="0"/>
+                                          </p:stCondLst>
+                                        </p:cTn>
+                                        <p:tgtEl>
+                                          <p:spTgt spid="3">
+                                            <p:txEl>
+                                              <p:pRg st="0" end="0"/>
+                                            </p:txEl>
+                                          </p:spTgt>
+                                        </p:tgtEl>
+                                        <p:attrNameLst>
+                                          <p:attrName>style.visibility</p:attrName>
+                                        </p:attrNameLst>
+                                      </p:cBhvr>
+                                      <p:to>
+                                        <p:strVal val="visible"/>
+                                      </p:to>
+                                    </p:set>
+                                    <p:animEffect transition="in" filter="fade">
+                                      <p:cBhvr>
+                                        <p:cTn id="7" dur="1000"/>
+                                        <p:tgtEl>
+                                          <p:spTgt spid="3">
+                                            <p:txEl>
+                                              <p:pRg st="0" end="0"/>
+                                            </p:txEl>
+                                          </p:spTgt>
+                                        </p:tgtEl>
+                                      </p:cBhvr>
+                                    </p:animEffect>
+                                    <p:anim calcmode="lin" valueType="num">
+                                      <p:cBhvr>
+                                        <p:cTn id="8" dur="1000" fill="hold"/>
+                                        <p:tgtEl>
+                                          <p:spTgt spid="3">
+                                            <p:txEl>
+                                              <p:pRg st="0" end="0"/>
+                                            </p:txEl>
+                                          </p:spTgt>
+                                        </p:tgtEl>
+                                        <p:attrNameLst>
+                                          <p:attrName>ppt_x</p:attrName>
+                                        </p:attrNameLst>
+                                      </p:cBhvr>
+                                      <p:tavLst>
+                                        <p:tav tm="0">
+                                          <p:val>
+                                            <p:strVal val="#ppt_x"/>
+                                          </p:val>
+                                        </p:tav>
+                                        <p:tav tm="100000">
+                                          <p:val>
+                                            <p:strVal val="#ppt_x"/>
+                                          </p:val>
+                                        </p:tav>
+                                      </p:tavLst>
+                                    </p:anim>
+                                    <p:anim calcmode="lin" valueType="num">
+                                      <p:cBhvr>
+                                        <p:cTn id="9" dur="1000" fill="hold"/>
+                                        <p:tgtEl>
+                                          <p:spTgt spid="3">
+                                            <p:txEl>
+                                              <p:pRg st="0" end="0"/>
+                                            </p:txEl>
+                                          </p:spTgt>
+                                        </p:tgtEl>
+                                        <p:attrNameLst>
+                                          <p:attrName>ppt_y</p:attrName>
+                                        </p:attrNameLst>
+                                      </p:cBhvr>
+                                      <p:tavLst>
+                                        <p:tav tm="0">
+                                          <p:val>
+                                            <p:strVal val="#ppt_y+.1"/>
+                                          </p:val>
+                                        </p:tav>
+                                        <p:tav tm="100000">
+                                          <p:val>
+                                            <p:strVal val="#ppt_y"/>
+                                          </p:val>
+                                        </p:tav>
+                                      </p:tavLst>
+                                    </p:anim>
+                                  </p:childTnLst>
+                                </p:cTn>
+                              </p:par>
+                            </p:childTnLst>
+                          </p:cTn>
+                        </p:par>
+                      </p:childTnLst>
+                    </p:cTn>
+                  </p:par>
+                  <p:par>
+                    <p:cTn id="10" fill="hold">
+                      <p:stCondLst>
+                        <p:cond delay="indefinite"/>
+                      </p:stCondLst>
+                      <p:childTnLst>
+                        <p:par>
+                          <p:cTn id="11" fill="hold">
+                            <p:stCondLst>
+                              <p:cond delay="0"/>
+                            </p:stCondLst>
+                            <p:childTnLst>
+                              <p:par>
+                                <p:cTn id="12" presetID="42" presetClass="entr" presetSubtype="0" fill="hold" nodeType="clickEffect">
+                                  <p:stCondLst>
+                                    <p:cond delay="0"/>
+                                  </p:stCondLst>
+                                  <p:childTnLst>
+                                    <p:set>
+                                      <p:cBhvr>
+                                        <p:cTn id="13" dur="1" fill="hold">
+                                          <p:stCondLst>
+                                            <p:cond delay="0"/>
+                                          </p:stCondLst>
+                                        </p:cTn>
+                                        <p:tgtEl>
+                                          <p:spTgt spid="3">
+                                            <p:txEl>
+                                              <p:pRg st="1" end="1"/>
+                                            </p:txEl>
+                                          </p:spTgt>
+                                        </p:tgtEl>
+                                        <p:attrNameLst>
+                                          <p:attrName>style.visibility</p:attrName>
+                                        </p:attrNameLst>
+                                      </p:cBhvr>
+                                      <p:to>
+                                        <p:strVal val="visible"/>
+                                      </p:to>
+                                    </p:set>
+                                    <p:animEffect transition="in" filter="fade">
+                                      <p:cBhvr>
+                                        <p:cTn id="14" dur="1000"/>
+                                        <p:tgtEl>
+                                          <p:spTgt spid="3">
+                                            <p:txEl>
+                                              <p:pRg st="1" end="1"/>
+                                            </p:txEl>
+                                          </p:spTgt>
+                                        </p:tgtEl>
+                                      </p:cBhvr>
+                                    </p:animEffect>
+                                    <p:anim calcmode="lin" valueType="num">
+                                      <p:cBhvr>
+                                        <p:cTn id="15" dur="1000" fill="hold"/>
+                                        <p:tgtEl>
+                                          <p:spTgt spid="3">
+                                            <p:txEl>
+                                              <p:pRg st="1" end="1"/>
+                                            </p:txEl>
+                                          </p:spTgt>
+                                        </p:tgtEl>
+                                        <p:attrNameLst>
+                                          <p:attrName>ppt_x</p:attrName>
+                                        </p:attrNameLst>
+                                      </p:cBhvr>
+                                      <p:tavLst>
+                                        <p:tav tm="0">
+                                          <p:val>
+                                            <p:strVal val="#ppt_x"/>
+                                          </p:val>
+                                        </p:tav>
+                                        <p:tav tm="100000">
+                                          <p:val>
+                                            <p:strVal val="#ppt_x"/>
+                                          </p:val>
+                                        </p:tav>
+                                      </p:tavLst>
+                                    </p:anim>
+                                    <p:anim calcmode="lin" valueType="num">
+                                      <p:cBhvr>
+                                        <p:cTn id="16" dur="1000" fill="hold"/>
+                                        <p:tgtEl>
+                                          <p:spTgt spid="3">
+                                            <p:txEl>
+                                              <p:pRg st="1" end="1"/>
+                                            </p:txEl>
+                                          </p:spTgt>
+                                        </p:tgtEl>
+                                        <p:attrNameLst>
+                                          <p:attrName>ppt_y</p:attrName>
+                                        </p:attrNameLst>
+                                      </p:cBhvr>
+                                      <p:tavLst>
+                                        <p:tav tm="0">
+                                          <p:val>
+                                            <p:strVal val="#ppt_y+.1"/>
+                                          </p:val>
+                                        </p:tav>
+                                        <p:tav tm="100000">
+                                          <p:val>
+                                            <p:strVal val="#ppt_y"/>
+                                          </p:val>
+                                        </p:tav>
+                                      </p:tavLst>
+                                    </p:anim>
+                                  </p:childTnLst>
+                                </p:cTn>
+                              </p:par>
+                              <p:par>
+                                <p:cTn id="17" presetID="42" presetClass="entr" presetSubtype="0" fill="hold" nodeType="withEffect">
+                                  <p:stCondLst>
+                                    <p:cond delay="0"/>
+                                  </p:stCondLst>
+                                  <p:childTnLst>
+                                    <p:set>
+                                      <p:cBhvr>
+                                        <p:cTn id="18" dur="1" fill="hold">
+                                          <p:stCondLst>
+                                            <p:cond delay="0"/>
+                                          </p:stCondLst>
+                                        </p:cTn>
+                                        <p:tgtEl>
+                                          <p:spTgt spid="3">
+                                            <p:txEl>
+                                              <p:pRg st="2" end="2"/>
+                                            </p:txEl>
+                                          </p:spTgt>
+                                        </p:tgtEl>
+                                        <p:attrNameLst>
+                                          <p:attrName>style.visibility</p:attrName>
+                                        </p:attrNameLst>
+                                      </p:cBhvr>
+                                      <p:to>
+                                        <p:strVal val="visible"/>
+                                      </p:to>
+                                    </p:set>
+                                    <p:animEffect transition="in" filter="fade">
+                                      <p:cBhvr>
+                                        <p:cTn id="19" dur="1000"/>
+                                        <p:tgtEl>
+                                          <p:spTgt spid="3">
+                                            <p:txEl>
+                                              <p:pRg st="2" end="2"/>
+                                            </p:txEl>
+                                          </p:spTgt>
+                                        </p:tgtEl>
+                                      </p:cBhvr>
+                                    </p:animEffect>
+                                    <p:anim calcmode="lin" valueType="num">
+                                      <p:cBhvr>
+                                        <p:cTn id="20" dur="1000" fill="hold"/>
+                                        <p:tgtEl>
+                                          <p:spTgt spid="3">
+                                            <p:txEl>
+                                              <p:pRg st="2" end="2"/>
+                                            </p:txEl>
+                                          </p:spTgt>
+                                        </p:tgtEl>
+                                        <p:attrNameLst>
+                                          <p:attrName>ppt_x</p:attrName>
+                                        </p:attrNameLst>
+                                      </p:cBhvr>
+                                      <p:tavLst>
+                                        <p:tav tm="0">
+                                          <p:val>
+                                            <p:strVal val="#ppt_x"/>
+                                          </p:val>
+                                        </p:tav>
+                                        <p:tav tm="100000">
+                                          <p:val>
+                                            <p:strVal val="#ppt_x"/>
+                                          </p:val>
+                                        </p:tav>
+                                      </p:tavLst>
+                                    </p:anim>
+                                    <p:anim calcmode="lin" valueType="num">
+                                      <p:cBhvr>
+                                        <p:cTn id="21" dur="1000" fill="hold"/>
+                                        <p:tgtEl>
+                                          <p:spTgt spid="3">
+                                            <p:txEl>
+                                              <p:pRg st="2" end="2"/>
+                                            </p:txEl>
+                                          </p:spTgt>
+                                        </p:tgtEl>
+                                        <p:attrNameLst>
+                                          <p:attrName>ppt_y</p:attrName>
+                                        </p:attrNameLst>
+                                      </p:cBhvr>
+                                      <p:tavLst>
+                                        <p:tav tm="0">
+                                          <p:val>
+                                            <p:strVal val="#ppt_y+.1"/>
+                                          </p:val>
+                                        </p:tav>
+                                        <p:tav tm="100000">
+                                          <p:val>
+                                            <p:strVal val="#ppt_y"/>
+                                          </p:val>
+                                        </p:tav>
+                                      </p:tavLst>
+                                    </p:anim>
+                                  </p:childTnLst>
+                                </p:cTn>
+                              </p:par>
+                            </p:childTnLst>
+                          </p:cTn>
+                        </p:par>
+                      </p:childTnLst>
+                    </p:cTn>
+                  </p:par>
+                </p:childTnLst>
+              </p:cTn>
+              <p:prevCondLst>
+                <p:cond evt="onPrev" delay="0">
+                  <p:tgtEl>
+                    <p:sldTgt/>
+                  </p:tgtEl>
+                </p:cond>
+              </p:prevCondLst>
+              <p:nextCondLst>
+                <p:cond evt="onNext" delay="0">
+                  <p:tgtEl>
+                    <p:sldTgt/>
+                  </p:tgtEl>
+                </p:cond>
+              </p:nextCondLst>
+            </p:seq>
+          </p:childTnLst>
+        </p:cTn>
+      </p:par>
+    </p:tnLst>
+  </p:timing>
+</p:sld>
+</file>
+
+<file path=ppt/slides/slide11.xml><?xml version="1.0" encoding="utf-8"?>
+<p:sld xmlns:a="http://schemas.openxmlformats.org/drawingml/2006/main" xmlns:r="http://schemas.openxmlformats.org/officeDocument/2006/relationships" xmlns:p="http://schemas.openxmlformats.org/presentationml/2006/main">
+  <p:cSld>
+    <p:spTree>
+      <p:nvGrpSpPr>
+        <p:cNvPr id="1" name=""/>
+        <p:cNvGrpSpPr/>
+        <p:nvPr/>
+      </p:nvGrpSpPr>
+      <p:grpSpPr>
+        <a:xfrm>
+          <a:off x="0" y="0"/>
+          <a:ext cx="0" cy="0"/>
+          <a:chOff x="0" y="0"/>
+          <a:chExt cx="0" cy="0"/>
+        </a:xfrm>
+      </p:grpSpPr>
+      <p:sp>
+        <p:nvSpPr>
+          <p:cNvPr id="2" name="Title 1"/>
+          <p:cNvSpPr>
+            <a:spLocks noGrp="1"/>
+          </p:cNvSpPr>
+          <p:nvPr>
+            <p:ph type="title"/>
+          </p:nvPr>
+        </p:nvSpPr>
+        <p:spPr/>
+        <p:txBody>
+          <a:bodyPr/>
+          <a:lstStyle/>
+          <a:p>
+            <a:r>
+              <a:rPr lang="en-US" dirty="0" smtClean="0"/>
+              <a:t>Problem 2.</a:t>
+            </a:r>
+            <a:endParaRPr lang="en-US" dirty="0"/>
+          </a:p>
+        </p:txBody>
+      </p:sp>
+      <p:sp>
+        <p:nvSpPr>
+          <p:cNvPr id="3" name="Content Placeholder 2"/>
+          <p:cNvSpPr>
+            <a:spLocks noGrp="1"/>
+          </p:cNvSpPr>
+          <p:nvPr>
+            <p:ph idx="1"/>
+          </p:nvPr>
+        </p:nvSpPr>
+        <p:spPr/>
+        <p:txBody>
+          <a:bodyPr/>
+          <a:lstStyle/>
+          <a:p>
+            <a:r>
+              <a:rPr lang="en-US" dirty="0"/>
+              <a:t>Suppose a 100 kg football player is at rest on an ice rink. A friend throws a 0.4 kg football towards him at a speed of 25 m/s. In a smooth motion he receives the ball and throws it back in the same direction at a speed of 20 m/s. What is the speed of the player after the throw?</a:t>
+            </a:r>
+          </a:p>
+        </p:txBody>
+      </p:sp>
+    </p:spTree>
+    <p:extLst>
+      <p:ext uri="{BB962C8B-B14F-4D97-AF65-F5344CB8AC3E}">
+        <p14:creationId xmlns:p14="http://schemas.microsoft.com/office/powerpoint/2010/main" val="2394871470"/>
+      </p:ext>
+    </p:extLst>
+  </p:cSld>
+  <p:clrMapOvr>
+    <a:masterClrMapping/>
+  </p:clrMapOvr>
+  <p:timing>
+    <p:tnLst>
+      <p:par>
+        <p:cTn id="1" dur="indefinite" restart="never" nodeType="tmRoot"/>
+      </p:par>
+    </p:tnLst>
+  </p:timing>
+</p:sld>
+</file>
+
+<file path=ppt/slides/slide12.xml><?xml version="1.0" encoding="utf-8"?>
+<p:sld xmlns:a="http://schemas.openxmlformats.org/drawingml/2006/main" xmlns:r="http://schemas.openxmlformats.org/officeDocument/2006/relationships" xmlns:p="http://schemas.openxmlformats.org/presentationml/2006/main">
+  <p:cSld>
+    <p:spTree>
+      <p:nvGrpSpPr>
+        <p:cNvPr id="1" name=""/>
+        <p:cNvGrpSpPr/>
+        <p:nvPr/>
+      </p:nvGrpSpPr>
+      <p:grpSpPr>
+        <a:xfrm>
+          <a:off x="0" y="0"/>
+          <a:ext cx="0" cy="0"/>
+          <a:chOff x="0" y="0"/>
+          <a:chExt cx="0" cy="0"/>
+        </a:xfrm>
+      </p:grpSpPr>
+      <p:sp>
+        <p:nvSpPr>
+          <p:cNvPr id="2" name="Title 1"/>
+          <p:cNvSpPr>
+            <a:spLocks noGrp="1"/>
+          </p:cNvSpPr>
+          <p:nvPr>
+            <p:ph type="title"/>
+          </p:nvPr>
+        </p:nvSpPr>
+        <p:spPr/>
+        <p:txBody>
+          <a:bodyPr/>
+          <a:lstStyle/>
+          <a:p>
+            <a:r>
+              <a:rPr lang="en-US" dirty="0" smtClean="0"/>
+              <a:t>Problem 3.</a:t>
+            </a:r>
+            <a:endParaRPr lang="en-US" dirty="0"/>
+          </a:p>
+        </p:txBody>
+      </p:sp>
+      <mc:AlternateContent xmlns:mc="http://schemas.openxmlformats.org/markup-compatibility/2006">
+        <mc:Choice xmlns:a14="http://schemas.microsoft.com/office/drawing/2010/main" Requires="a14">
+          <p:sp>
+            <p:nvSpPr>
+              <p:cNvPr id="3" name="Content Placeholder 2"/>
+              <p:cNvSpPr>
+                <a:spLocks noGrp="1"/>
+              </p:cNvSpPr>
+              <p:nvPr>
+                <p:ph idx="1"/>
+              </p:nvPr>
+            </p:nvSpPr>
+            <p:spPr/>
+            <p:txBody>
+              <a:bodyPr/>
+              <a:lstStyle/>
+              <a:p>
+                <a:r>
+                  <a:rPr lang="en-US" dirty="0" smtClean="0"/>
+                  <a:t>Two small cars with a mass of 250 g and 500 g connected with a spring. We push them apart by the spring and the lighter car’s velocity will be </a:t>
+                </a:r>
+                <a14:m>
+                  <m:oMath xmlns:m="http://schemas.openxmlformats.org/officeDocument/2006/math">
+                    <m:r>
+                      <a:rPr lang="en-US" b="0" i="1" smtClean="0">
+                        <a:latin typeface="Cambria Math" panose="02040503050406030204" pitchFamily="18" charset="0"/>
+                      </a:rPr>
+                      <m:t>1</m:t>
+                    </m:r>
+                    <m:f>
+                      <m:fPr>
+                        <m:ctrlPr>
+                          <a:rPr lang="en-US" b="0" i="1" smtClean="0">
+                            <a:latin typeface="Cambria Math" panose="02040503050406030204" pitchFamily="18" charset="0"/>
+                          </a:rPr>
+                        </m:ctrlPr>
+                      </m:fPr>
+                      <m:num>
+                        <m:r>
+                          <a:rPr lang="en-US" b="0" i="1" smtClean="0">
+                            <a:latin typeface="Cambria Math" panose="02040503050406030204" pitchFamily="18" charset="0"/>
+                          </a:rPr>
+                          <m:t>𝑚</m:t>
+                        </m:r>
+                      </m:num>
+                      <m:den>
+                        <m:r>
+                          <a:rPr lang="en-US" b="0" i="1" smtClean="0">
+                            <a:latin typeface="Cambria Math" panose="02040503050406030204" pitchFamily="18" charset="0"/>
+                          </a:rPr>
+                          <m:t>𝑠</m:t>
+                        </m:r>
+                      </m:den>
+                    </m:f>
+                  </m:oMath>
+                </a14:m>
+                <a:r>
+                  <a:rPr lang="en-US" dirty="0" smtClean="0"/>
+                  <a:t>. Find the velocity of the other car.</a:t>
+                </a:r>
+                <a:endParaRPr lang="en-US" dirty="0"/>
+              </a:p>
+            </p:txBody>
+          </p:sp>
+        </mc:Choice>
+        <mc:Fallback>
+          <p:sp>
+            <p:nvSpPr>
+              <p:cNvPr id="3" name="Content Placeholder 2"/>
+              <p:cNvSpPr>
+                <a:spLocks noGrp="1" noRot="1" noChangeAspect="1" noMove="1" noResize="1" noEditPoints="1" noAdjustHandles="1" noChangeArrowheads="1" noChangeShapeType="1" noTextEdit="1"/>
+              </p:cNvSpPr>
+              <p:nvPr>
+                <p:ph idx="1"/>
+              </p:nvPr>
+            </p:nvSpPr>
+            <p:spPr>
+              <a:blipFill>
+                <a:blip r:embed="rId2"/>
+                <a:stretch>
+                  <a:fillRect l="-1043" t="-2241"/>
+                </a:stretch>
+              </a:blipFill>
+            </p:spPr>
+            <p:txBody>
+              <a:bodyPr/>
+              <a:lstStyle/>
+              <a:p>
+                <a:r>
+                  <a:rPr lang="en-US">
+                    <a:noFill/>
+                  </a:rPr>
+                  <a:t> </a:t>
+                </a:r>
+              </a:p>
+            </p:txBody>
+          </p:sp>
+        </mc:Fallback>
+      </mc:AlternateContent>
+    </p:spTree>
+    <p:extLst>
+      <p:ext uri="{BB962C8B-B14F-4D97-AF65-F5344CB8AC3E}">
+        <p14:creationId xmlns:p14="http://schemas.microsoft.com/office/powerpoint/2010/main" val="2907059100"/>
+      </p:ext>
+    </p:extLst>
+  </p:cSld>
+  <p:clrMapOvr>
+    <a:masterClrMapping/>
+  </p:clrMapOvr>
+  <p:timing>
+    <p:tnLst>
+      <p:par>
+        <p:cTn id="1" dur="indefinite" restart="never" nodeType="tmRoot"/>
+      </p:par>
+    </p:tnLst>
+  </p:timing>
+</p:sld>
+</file>
+
+<file path=ppt/slides/slide13.xml><?xml version="1.0" encoding="utf-8"?>
+<p:sld xmlns:a="http://schemas.openxmlformats.org/drawingml/2006/main" xmlns:r="http://schemas.openxmlformats.org/officeDocument/2006/relationships" xmlns:p="http://schemas.openxmlformats.org/presentationml/2006/main">
+  <p:cSld>
+    <p:spTree>
+      <p:nvGrpSpPr>
+        <p:cNvPr id="1" name=""/>
+        <p:cNvGrpSpPr/>
+        <p:nvPr/>
+      </p:nvGrpSpPr>
+      <p:grpSpPr>
+        <a:xfrm>
+          <a:off x="0" y="0"/>
+          <a:ext cx="0" cy="0"/>
+          <a:chOff x="0" y="0"/>
+          <a:chExt cx="0" cy="0"/>
+        </a:xfrm>
+      </p:grpSpPr>
+      <p:sp>
+        <p:nvSpPr>
+          <p:cNvPr id="2" name="Title 1"/>
+          <p:cNvSpPr>
+            <a:spLocks noGrp="1"/>
+          </p:cNvSpPr>
+          <p:nvPr>
+            <p:ph type="title"/>
+          </p:nvPr>
+        </p:nvSpPr>
+        <p:spPr/>
+        <p:txBody>
+          <a:bodyPr/>
+          <a:lstStyle/>
+          <a:p>
+            <a:r>
+              <a:rPr lang="en-US" dirty="0" smtClean="0"/>
+              <a:t>Problem 4.</a:t>
+            </a:r>
+            <a:endParaRPr lang="en-US" dirty="0"/>
+          </a:p>
+        </p:txBody>
+      </p:sp>
+      <p:sp>
+        <p:nvSpPr>
+          <p:cNvPr id="3" name="Content Placeholder 2"/>
+          <p:cNvSpPr>
+            <a:spLocks noGrp="1"/>
+          </p:cNvSpPr>
+          <p:nvPr>
+            <p:ph idx="1"/>
+          </p:nvPr>
+        </p:nvSpPr>
+        <p:spPr/>
+        <p:txBody>
+          <a:bodyPr/>
+          <a:lstStyle/>
+          <a:p>
+            <a:r>
+              <a:rPr lang="en-US" dirty="0"/>
+              <a:t>A car of 500 kg, traveling at 30 m/s rear ends another car of 600 kg, traveling at 20 m/s. in the same direction The collision is great enough that the two cars stick together after they collide. How fast will both cars be going after the collision?</a:t>
+            </a:r>
+          </a:p>
+        </p:txBody>
+      </p:sp>
+    </p:spTree>
+    <p:extLst>
+      <p:ext uri="{BB962C8B-B14F-4D97-AF65-F5344CB8AC3E}">
+        <p14:creationId xmlns:p14="http://schemas.microsoft.com/office/powerpoint/2010/main" val="187100529"/>
+      </p:ext>
+    </p:extLst>
+  </p:cSld>
+  <p:clrMapOvr>
+    <a:masterClrMapping/>
+  </p:clrMapOvr>
+  <p:timing>
+    <p:tnLst>
+      <p:par>
+        <p:cTn id="1" dur="indefinite" restart="never" nodeType="tmRoot"/>
+      </p:par>
+    </p:tnLst>
+  </p:timing>
+</p:sld>
+</file>
+
+<file path=ppt/slides/slide14.xml><?xml version="1.0" encoding="utf-8"?>
+<p:sld xmlns:a="http://schemas.openxmlformats.org/drawingml/2006/main" xmlns:r="http://schemas.openxmlformats.org/officeDocument/2006/relationships" xmlns:p="http://schemas.openxmlformats.org/presentationml/2006/main">
+  <p:cSld>
+    <p:spTree>
+      <p:nvGrpSpPr>
+        <p:cNvPr id="1" name=""/>
+        <p:cNvGrpSpPr/>
+        <p:nvPr/>
+      </p:nvGrpSpPr>
+      <p:grpSpPr>
+        <a:xfrm>
+          <a:off x="0" y="0"/>
+          <a:ext cx="0" cy="0"/>
+          <a:chOff x="0" y="0"/>
+          <a:chExt cx="0" cy="0"/>
+        </a:xfrm>
+      </p:grpSpPr>
+      <p:sp>
+        <p:nvSpPr>
+          <p:cNvPr id="2" name="Title 1"/>
+          <p:cNvSpPr>
+            <a:spLocks noGrp="1"/>
+          </p:cNvSpPr>
+          <p:nvPr>
+            <p:ph type="title"/>
+          </p:nvPr>
+        </p:nvSpPr>
+        <p:spPr/>
+        <p:txBody>
+          <a:bodyPr/>
+          <a:lstStyle/>
+          <a:p>
+            <a:r>
+              <a:rPr lang="en-US" dirty="0" smtClean="0"/>
+              <a:t>Homework</a:t>
+            </a:r>
+            <a:endParaRPr lang="en-US" dirty="0"/>
+          </a:p>
+        </p:txBody>
+      </p:sp>
+      <p:sp>
+        <p:nvSpPr>
+          <p:cNvPr id="3" name="Content Placeholder 2"/>
+          <p:cNvSpPr>
+            <a:spLocks noGrp="1"/>
+          </p:cNvSpPr>
+          <p:nvPr>
+            <p:ph idx="1"/>
+          </p:nvPr>
+        </p:nvSpPr>
+        <p:spPr/>
+        <p:txBody>
+          <a:bodyPr/>
+          <a:lstStyle/>
+          <a:p>
+            <a:pPr marL="514350" lvl="0" indent="-514350">
+              <a:buFont typeface="+mj-lt"/>
+              <a:buAutoNum type="arabicPeriod"/>
+            </a:pPr>
+            <a:r>
+              <a:rPr lang="en-US" dirty="0"/>
+              <a:t>There is a cart with a mass of 30 kg. A kid of 45 kg stands on the cart. He runs from the cart backwards with a velocity of 2 m/s. Find the velocity of the cart.</a:t>
+            </a:r>
+          </a:p>
+          <a:p>
+            <a:pPr marL="514350" lvl="0" indent="-514350">
+              <a:buFont typeface="+mj-lt"/>
+              <a:buAutoNum type="arabicPeriod"/>
+            </a:pPr>
+            <a:r>
+              <a:rPr lang="en-US" dirty="0"/>
+              <a:t>A gun fires a bullet of 30 g with a speed of 800 m/s. Find the speed of the gun after recoiling. The gun’s mass without the bullet is 6 kg.</a:t>
+            </a:r>
+          </a:p>
+          <a:p>
+            <a:pPr marL="514350" lvl="0" indent="-514350">
+              <a:buFont typeface="+mj-lt"/>
+              <a:buAutoNum type="arabicPeriod"/>
+            </a:pPr>
+            <a:r>
+              <a:rPr lang="en-US" dirty="0"/>
+              <a:t>There is a boat of 200 kg on a lake at rest. A kid of 50 kg jumps off the boat with a speed of 4 m/s. Find the boat’s velocity.</a:t>
+            </a:r>
+          </a:p>
+          <a:p>
+            <a:pPr marL="514350" lvl="0" indent="-514350">
+              <a:buFont typeface="+mj-lt"/>
+              <a:buAutoNum type="arabicPeriod"/>
+            </a:pPr>
+            <a:r>
+              <a:rPr lang="en-US" dirty="0"/>
+              <a:t>A ball of 86 g moves with a speed of 30 cm/s. It hits another ball. The second ball’s mass is 129 g, its speed is 0.2 m/s. After the collision they stick together. Find their final speed.</a:t>
+            </a:r>
+          </a:p>
+          <a:p>
+            <a:endParaRPr lang="en-US" dirty="0"/>
+          </a:p>
+        </p:txBody>
+      </p:sp>
+    </p:spTree>
+    <p:extLst>
+      <p:ext uri="{BB962C8B-B14F-4D97-AF65-F5344CB8AC3E}">
+        <p14:creationId xmlns:p14="http://schemas.microsoft.com/office/powerpoint/2010/main" val="41579330"/>
+      </p:ext>
+    </p:extLst>
+  </p:cSld>
+  <p:clrMapOvr>
+    <a:masterClrMapping/>
+  </p:clrMapOvr>
+  <p:timing>
+    <p:tnLst>
+      <p:par>
+        <p:cTn id="1" dur="indefinite" restart="never" nodeType="tmRoot"/>
+      </p:par>
+    </p:tnLst>
+  </p:timing>
+</p:sld>
+</file>
+
 <file path=ppt/slides/slide2.xml><?xml version="1.0" encoding="utf-8"?>
 <p:sld xmlns:a="http://schemas.openxmlformats.org/drawingml/2006/main" xmlns:r="http://schemas.openxmlformats.org/officeDocument/2006/relationships" xmlns:p="http://schemas.openxmlformats.org/presentationml/2006/main">
   <p:cSld>
@@ -6007,12 +6905,8 @@
           <a:lstStyle/>
           <a:p>
             <a:r>
-              <a:rPr lang="en-US" dirty="0"/>
-              <a:t>Momentum Conservation </a:t>
-            </a:r>
-            <a:r>
               <a:rPr lang="en-US" dirty="0" smtClean="0"/>
-              <a:t>Principle</a:t>
+              <a:t>Conservation</a:t>
             </a:r>
             <a:endParaRPr lang="en-US" dirty="0"/>
           </a:p>
@@ -6031,111 +6925,64 @@
         <p:spPr/>
         <p:txBody>
           <a:bodyPr>
-            <a:normAutofit fontScale="92500" lnSpcReduction="10000"/>
+            <a:normAutofit/>
           </a:bodyPr>
           <a:lstStyle/>
           <a:p>
             <a:r>
-              <a:rPr lang="en-US" dirty="0"/>
-              <a:t>For a collision occurring between object 1 and object 2 in an </a:t>
-            </a:r>
-            <a:r>
-              <a:rPr lang="en-US" dirty="0">
-                <a:hlinkClick r:id="rId2"/>
-              </a:rPr>
-              <a:t>isolated system</a:t>
-            </a:r>
-            <a:r>
-              <a:rPr lang="en-US" dirty="0"/>
-              <a:t>, </a:t>
-            </a:r>
-            <a:endParaRPr lang="en-US" dirty="0" smtClean="0"/>
-          </a:p>
-          <a:p>
-            <a:r>
               <a:rPr lang="en-US" dirty="0" smtClean="0"/>
-              <a:t>the </a:t>
-            </a:r>
-            <a:r>
-              <a:rPr lang="en-US" dirty="0"/>
-              <a:t>total momentum of the two objects before the collision is </a:t>
-            </a:r>
-            <a:endParaRPr lang="en-US" dirty="0" smtClean="0"/>
+              <a:t>The term conservation refers to something which doesn’t change</a:t>
+            </a:r>
           </a:p>
           <a:p>
             <a:r>
               <a:rPr lang="en-US" dirty="0" smtClean="0"/>
-              <a:t>equal </a:t>
-            </a:r>
-            <a:r>
-              <a:rPr lang="en-US" dirty="0"/>
-              <a:t>to the total momentum of the two objects after the collision. </a:t>
-            </a:r>
-            <a:endParaRPr lang="en-US" dirty="0" smtClean="0"/>
+              <a:t>This means that a conserved quantity is constant over the time</a:t>
+            </a:r>
           </a:p>
           <a:p>
             <a:r>
               <a:rPr lang="en-US" dirty="0" smtClean="0"/>
-              <a:t>The </a:t>
-            </a:r>
-            <a:r>
-              <a:rPr lang="en-US" dirty="0"/>
-              <a:t>momentum lost by object 1 is equal to the momentum gained by object 2</a:t>
-            </a:r>
+              <a:t>It has same value both before and after an event</a:t>
+            </a:r>
+          </a:p>
+          <a:p>
             <a:r>
               <a:rPr lang="en-US" dirty="0" smtClean="0"/>
-              <a:t>.</a:t>
-            </a:r>
-          </a:p>
-          <a:p>
+              <a:t>In mechanics there are three fundamental quantities which are conserved:</a:t>
+            </a:r>
+          </a:p>
+          <a:p>
+            <a:pPr lvl="1"/>
             <a:r>
               <a:rPr lang="en-US" dirty="0" smtClean="0"/>
-              <a:t>The </a:t>
-            </a:r>
-            <a:r>
-              <a:rPr lang="en-US" dirty="0"/>
-              <a:t>total momentum of a collection of objects (a </a:t>
-            </a:r>
-            <a:r>
-              <a:rPr lang="en-US" i="1" dirty="0"/>
-              <a:t>system</a:t>
-            </a:r>
-            <a:r>
-              <a:rPr lang="en-US" dirty="0"/>
-              <a:t>) is </a:t>
-            </a:r>
-            <a:r>
-              <a:rPr lang="en-US" i="1" dirty="0"/>
-              <a:t>conserved</a:t>
-            </a:r>
-            <a:r>
-              <a:rPr lang="en-US" dirty="0"/>
-              <a:t> - that is, the total amount of momentum is a constant or unchanging value. </a:t>
-            </a:r>
-            <a:endParaRPr lang="en-US" dirty="0" smtClean="0"/>
-          </a:p>
-          <a:p>
+              <a:t>Momentum</a:t>
+            </a:r>
+          </a:p>
+          <a:p>
+            <a:pPr lvl="1"/>
             <a:r>
               <a:rPr lang="en-US" dirty="0" smtClean="0"/>
-              <a:t>Conserved- constant, not changing</a:t>
-            </a:r>
-          </a:p>
-          <a:p>
+              <a:t>Energy</a:t>
+            </a:r>
+          </a:p>
+          <a:p>
+            <a:pPr lvl="1"/>
             <a:r>
               <a:rPr lang="en-US" dirty="0" smtClean="0"/>
-              <a:t>Law </a:t>
-            </a:r>
-            <a:r>
-              <a:rPr lang="en-US" dirty="0"/>
-              <a:t>of momentum conservation</a:t>
-            </a:r>
+              <a:t>Angular momentum</a:t>
+            </a:r>
+          </a:p>
+          <a:p>
+            <a:pPr lvl="1"/>
+            <a:endParaRPr lang="en-US" dirty="0"/>
           </a:p>
         </p:txBody>
       </p:sp>
     </p:spTree>
     <p:extLst>
       <p:ext uri="{BB962C8B-B14F-4D97-AF65-F5344CB8AC3E}">
-        <p14:creationId xmlns:p14="http://schemas.microsoft.com/office/powerpoint/2010/main" val="52867633"/>
+        <p14:creationId xmlns:p14="http://schemas.microsoft.com/office/powerpoint/2010/main" val="31637412"/>
       </p:ext>
     </p:extLst>
   </p:cSld>
@@ -7012,6 +7859,1535 @@
           <a:bodyPr/>
           <a:lstStyle/>
           <a:p>
+            <a:r>
+              <a:rPr lang="en-US" dirty="0" smtClean="0"/>
+              <a:t>Isolated system</a:t>
+            </a:r>
+            <a:endParaRPr lang="en-US" dirty="0"/>
+          </a:p>
+        </p:txBody>
+      </p:sp>
+      <p:sp>
+        <p:nvSpPr>
+          <p:cNvPr id="3" name="Content Placeholder 2"/>
+          <p:cNvSpPr>
+            <a:spLocks noGrp="1"/>
+          </p:cNvSpPr>
+          <p:nvPr>
+            <p:ph idx="1"/>
+          </p:nvPr>
+        </p:nvSpPr>
+        <p:spPr/>
+        <p:txBody>
+          <a:bodyPr/>
+          <a:lstStyle/>
+          <a:p>
+            <a:r>
+              <a:rPr lang="en-US" dirty="0" smtClean="0"/>
+              <a:t>Conservation of momentum applies only to an isolated system of objects</a:t>
+            </a:r>
+          </a:p>
+          <a:p>
+            <a:r>
+              <a:rPr lang="en-US" dirty="0" smtClean="0"/>
+              <a:t>Isolated system: It’s not acted upon by force external to the system</a:t>
+            </a:r>
+            <a:endParaRPr lang="en-US" dirty="0"/>
+          </a:p>
+        </p:txBody>
+      </p:sp>
+    </p:spTree>
+    <p:extLst>
+      <p:ext uri="{BB962C8B-B14F-4D97-AF65-F5344CB8AC3E}">
+        <p14:creationId xmlns:p14="http://schemas.microsoft.com/office/powerpoint/2010/main" val="2290750728"/>
+      </p:ext>
+    </p:extLst>
+  </p:cSld>
+  <p:clrMapOvr>
+    <a:masterClrMapping/>
+  </p:clrMapOvr>
+  <p:timing>
+    <p:tnLst>
+      <p:par>
+        <p:cTn id="1" dur="indefinite" restart="never" nodeType="tmRoot">
+          <p:childTnLst>
+            <p:seq concurrent="1" nextAc="seek">
+              <p:cTn id="2" dur="indefinite" nodeType="mainSeq">
+                <p:childTnLst>
+                  <p:par>
+                    <p:cTn id="3" fill="hold">
+                      <p:stCondLst>
+                        <p:cond delay="indefinite"/>
+                      </p:stCondLst>
+                      <p:childTnLst>
+                        <p:par>
+                          <p:cTn id="4" fill="hold">
+                            <p:stCondLst>
+                              <p:cond delay="0"/>
+                            </p:stCondLst>
+                            <p:childTnLst>
+                              <p:par>
+                                <p:cTn id="5" presetID="42" presetClass="entr" presetSubtype="0" fill="hold" nodeType="clickEffect">
+                                  <p:stCondLst>
+                                    <p:cond delay="0"/>
+                                  </p:stCondLst>
+                                  <p:childTnLst>
+                                    <p:set>
+                                      <p:cBhvr>
+                                        <p:cTn id="6" dur="1" fill="hold">
+                                          <p:stCondLst>
+                                            <p:cond delay="0"/>
+                                          </p:stCondLst>
+                                        </p:cTn>
+                                        <p:tgtEl>
+                                          <p:spTgt spid="3">
+                                            <p:txEl>
+                                              <p:pRg st="0" end="0"/>
+                                            </p:txEl>
+                                          </p:spTgt>
+                                        </p:tgtEl>
+                                        <p:attrNameLst>
+                                          <p:attrName>style.visibility</p:attrName>
+                                        </p:attrNameLst>
+                                      </p:cBhvr>
+                                      <p:to>
+                                        <p:strVal val="visible"/>
+                                      </p:to>
+                                    </p:set>
+                                    <p:animEffect transition="in" filter="fade">
+                                      <p:cBhvr>
+                                        <p:cTn id="7" dur="1000"/>
+                                        <p:tgtEl>
+                                          <p:spTgt spid="3">
+                                            <p:txEl>
+                                              <p:pRg st="0" end="0"/>
+                                            </p:txEl>
+                                          </p:spTgt>
+                                        </p:tgtEl>
+                                      </p:cBhvr>
+                                    </p:animEffect>
+                                    <p:anim calcmode="lin" valueType="num">
+                                      <p:cBhvr>
+                                        <p:cTn id="8" dur="1000" fill="hold"/>
+                                        <p:tgtEl>
+                                          <p:spTgt spid="3">
+                                            <p:txEl>
+                                              <p:pRg st="0" end="0"/>
+                                            </p:txEl>
+                                          </p:spTgt>
+                                        </p:tgtEl>
+                                        <p:attrNameLst>
+                                          <p:attrName>ppt_x</p:attrName>
+                                        </p:attrNameLst>
+                                      </p:cBhvr>
+                                      <p:tavLst>
+                                        <p:tav tm="0">
+                                          <p:val>
+                                            <p:strVal val="#ppt_x"/>
+                                          </p:val>
+                                        </p:tav>
+                                        <p:tav tm="100000">
+                                          <p:val>
+                                            <p:strVal val="#ppt_x"/>
+                                          </p:val>
+                                        </p:tav>
+                                      </p:tavLst>
+                                    </p:anim>
+                                    <p:anim calcmode="lin" valueType="num">
+                                      <p:cBhvr>
+                                        <p:cTn id="9" dur="1000" fill="hold"/>
+                                        <p:tgtEl>
+                                          <p:spTgt spid="3">
+                                            <p:txEl>
+                                              <p:pRg st="0" end="0"/>
+                                            </p:txEl>
+                                          </p:spTgt>
+                                        </p:tgtEl>
+                                        <p:attrNameLst>
+                                          <p:attrName>ppt_y</p:attrName>
+                                        </p:attrNameLst>
+                                      </p:cBhvr>
+                                      <p:tavLst>
+                                        <p:tav tm="0">
+                                          <p:val>
+                                            <p:strVal val="#ppt_y+.1"/>
+                                          </p:val>
+                                        </p:tav>
+                                        <p:tav tm="100000">
+                                          <p:val>
+                                            <p:strVal val="#ppt_y"/>
+                                          </p:val>
+                                        </p:tav>
+                                      </p:tavLst>
+                                    </p:anim>
+                                  </p:childTnLst>
+                                </p:cTn>
+                              </p:par>
+                            </p:childTnLst>
+                          </p:cTn>
+                        </p:par>
+                      </p:childTnLst>
+                    </p:cTn>
+                  </p:par>
+                  <p:par>
+                    <p:cTn id="10" fill="hold">
+                      <p:stCondLst>
+                        <p:cond delay="indefinite"/>
+                      </p:stCondLst>
+                      <p:childTnLst>
+                        <p:par>
+                          <p:cTn id="11" fill="hold">
+                            <p:stCondLst>
+                              <p:cond delay="0"/>
+                            </p:stCondLst>
+                            <p:childTnLst>
+                              <p:par>
+                                <p:cTn id="12" presetID="42" presetClass="entr" presetSubtype="0" fill="hold" nodeType="clickEffect">
+                                  <p:stCondLst>
+                                    <p:cond delay="0"/>
+                                  </p:stCondLst>
+                                  <p:childTnLst>
+                                    <p:set>
+                                      <p:cBhvr>
+                                        <p:cTn id="13" dur="1" fill="hold">
+                                          <p:stCondLst>
+                                            <p:cond delay="0"/>
+                                          </p:stCondLst>
+                                        </p:cTn>
+                                        <p:tgtEl>
+                                          <p:spTgt spid="3">
+                                            <p:txEl>
+                                              <p:pRg st="1" end="1"/>
+                                            </p:txEl>
+                                          </p:spTgt>
+                                        </p:tgtEl>
+                                        <p:attrNameLst>
+                                          <p:attrName>style.visibility</p:attrName>
+                                        </p:attrNameLst>
+                                      </p:cBhvr>
+                                      <p:to>
+                                        <p:strVal val="visible"/>
+                                      </p:to>
+                                    </p:set>
+                                    <p:animEffect transition="in" filter="fade">
+                                      <p:cBhvr>
+                                        <p:cTn id="14" dur="1000"/>
+                                        <p:tgtEl>
+                                          <p:spTgt spid="3">
+                                            <p:txEl>
+                                              <p:pRg st="1" end="1"/>
+                                            </p:txEl>
+                                          </p:spTgt>
+                                        </p:tgtEl>
+                                      </p:cBhvr>
+                                    </p:animEffect>
+                                    <p:anim calcmode="lin" valueType="num">
+                                      <p:cBhvr>
+                                        <p:cTn id="15" dur="1000" fill="hold"/>
+                                        <p:tgtEl>
+                                          <p:spTgt spid="3">
+                                            <p:txEl>
+                                              <p:pRg st="1" end="1"/>
+                                            </p:txEl>
+                                          </p:spTgt>
+                                        </p:tgtEl>
+                                        <p:attrNameLst>
+                                          <p:attrName>ppt_x</p:attrName>
+                                        </p:attrNameLst>
+                                      </p:cBhvr>
+                                      <p:tavLst>
+                                        <p:tav tm="0">
+                                          <p:val>
+                                            <p:strVal val="#ppt_x"/>
+                                          </p:val>
+                                        </p:tav>
+                                        <p:tav tm="100000">
+                                          <p:val>
+                                            <p:strVal val="#ppt_x"/>
+                                          </p:val>
+                                        </p:tav>
+                                      </p:tavLst>
+                                    </p:anim>
+                                    <p:anim calcmode="lin" valueType="num">
+                                      <p:cBhvr>
+                                        <p:cTn id="16" dur="1000" fill="hold"/>
+                                        <p:tgtEl>
+                                          <p:spTgt spid="3">
+                                            <p:txEl>
+                                              <p:pRg st="1" end="1"/>
+                                            </p:txEl>
+                                          </p:spTgt>
+                                        </p:tgtEl>
+                                        <p:attrNameLst>
+                                          <p:attrName>ppt_y</p:attrName>
+                                        </p:attrNameLst>
+                                      </p:cBhvr>
+                                      <p:tavLst>
+                                        <p:tav tm="0">
+                                          <p:val>
+                                            <p:strVal val="#ppt_y+.1"/>
+                                          </p:val>
+                                        </p:tav>
+                                        <p:tav tm="100000">
+                                          <p:val>
+                                            <p:strVal val="#ppt_y"/>
+                                          </p:val>
+                                        </p:tav>
+                                      </p:tavLst>
+                                    </p:anim>
+                                  </p:childTnLst>
+                                </p:cTn>
+                              </p:par>
+                            </p:childTnLst>
+                          </p:cTn>
+                        </p:par>
+                      </p:childTnLst>
+                    </p:cTn>
+                  </p:par>
+                </p:childTnLst>
+              </p:cTn>
+              <p:prevCondLst>
+                <p:cond evt="onPrev" delay="0">
+                  <p:tgtEl>
+                    <p:sldTgt/>
+                  </p:tgtEl>
+                </p:cond>
+              </p:prevCondLst>
+              <p:nextCondLst>
+                <p:cond evt="onNext" delay="0">
+                  <p:tgtEl>
+                    <p:sldTgt/>
+                  </p:tgtEl>
+                </p:cond>
+              </p:nextCondLst>
+            </p:seq>
+          </p:childTnLst>
+        </p:cTn>
+      </p:par>
+    </p:tnLst>
+  </p:timing>
+</p:sld>
+</file>
+
+<file path=ppt/slides/slide8.xml><?xml version="1.0" encoding="utf-8"?>
+<p:sld xmlns:a="http://schemas.openxmlformats.org/drawingml/2006/main" xmlns:r="http://schemas.openxmlformats.org/officeDocument/2006/relationships" xmlns:p="http://schemas.openxmlformats.org/presentationml/2006/main">
+  <p:cSld>
+    <p:spTree>
+      <p:nvGrpSpPr>
+        <p:cNvPr id="1" name=""/>
+        <p:cNvGrpSpPr/>
+        <p:nvPr/>
+      </p:nvGrpSpPr>
+      <p:grpSpPr>
+        <a:xfrm>
+          <a:off x="0" y="0"/>
+          <a:ext cx="0" cy="0"/>
+          <a:chOff x="0" y="0"/>
+          <a:chExt cx="0" cy="0"/>
+        </a:xfrm>
+      </p:grpSpPr>
+      <p:sp>
+        <p:nvSpPr>
+          <p:cNvPr id="2" name="Title 1"/>
+          <p:cNvSpPr>
+            <a:spLocks noGrp="1"/>
+          </p:cNvSpPr>
+          <p:nvPr>
+            <p:ph type="title"/>
+          </p:nvPr>
+        </p:nvSpPr>
+        <p:spPr/>
+        <p:txBody>
+          <a:bodyPr/>
+          <a:lstStyle/>
+          <a:p>
+            <a:r>
+              <a:rPr lang="en-US" dirty="0"/>
+              <a:t>Momentum Conservation </a:t>
+            </a:r>
+            <a:r>
+              <a:rPr lang="en-US" dirty="0" smtClean="0"/>
+              <a:t>Principle</a:t>
+            </a:r>
+            <a:endParaRPr lang="en-US" dirty="0"/>
+          </a:p>
+        </p:txBody>
+      </p:sp>
+      <p:sp>
+        <p:nvSpPr>
+          <p:cNvPr id="3" name="Content Placeholder 2"/>
+          <p:cNvSpPr>
+            <a:spLocks noGrp="1"/>
+          </p:cNvSpPr>
+          <p:nvPr>
+            <p:ph idx="1"/>
+          </p:nvPr>
+        </p:nvSpPr>
+        <p:spPr/>
+        <p:txBody>
+          <a:bodyPr>
+            <a:normAutofit fontScale="92500" lnSpcReduction="20000"/>
+          </a:bodyPr>
+          <a:lstStyle/>
+          <a:p>
+            <a:r>
+              <a:rPr lang="en-US" dirty="0" smtClean="0"/>
+              <a:t>Conservation of momentum is mostly used for describing collision between objects</a:t>
+            </a:r>
+          </a:p>
+          <a:p>
+            <a:r>
+              <a:rPr lang="en-US" dirty="0" smtClean="0"/>
+              <a:t>For </a:t>
+            </a:r>
+            <a:r>
+              <a:rPr lang="en-US" dirty="0"/>
+              <a:t>a collision occurring between object 1 and object 2 in </a:t>
+            </a:r>
+            <a:r>
+              <a:rPr lang="en-US" dirty="0" smtClean="0"/>
+              <a:t>an isolated system</a:t>
+            </a:r>
+            <a:endParaRPr lang="en-US" u="sng" dirty="0"/>
+          </a:p>
+          <a:p>
+            <a:r>
+              <a:rPr lang="en-US" dirty="0"/>
+              <a:t>T</a:t>
+            </a:r>
+            <a:r>
+              <a:rPr lang="en-US" dirty="0" smtClean="0"/>
+              <a:t>he </a:t>
+            </a:r>
+            <a:r>
+              <a:rPr lang="en-US" dirty="0"/>
+              <a:t>total momentum of the two objects before the collision is </a:t>
+            </a:r>
+            <a:endParaRPr lang="en-US" dirty="0" smtClean="0"/>
+          </a:p>
+          <a:p>
+            <a:r>
+              <a:rPr lang="en-US" dirty="0" smtClean="0"/>
+              <a:t>equal </a:t>
+            </a:r>
+            <a:r>
+              <a:rPr lang="en-US" dirty="0"/>
+              <a:t>to the total momentum of the two objects after the collision. </a:t>
+            </a:r>
+            <a:endParaRPr lang="en-US" dirty="0" smtClean="0"/>
+          </a:p>
+          <a:p>
+            <a:r>
+              <a:rPr lang="en-US" dirty="0" smtClean="0"/>
+              <a:t>The </a:t>
+            </a:r>
+            <a:r>
+              <a:rPr lang="en-US" dirty="0"/>
+              <a:t>momentum lost by object 1 is equal to the momentum gained by object 2</a:t>
+            </a:r>
+            <a:r>
+              <a:rPr lang="en-US" dirty="0" smtClean="0"/>
+              <a:t>.</a:t>
+            </a:r>
+          </a:p>
+          <a:p>
+            <a:r>
+              <a:rPr lang="en-US" dirty="0" smtClean="0">
+                <a:solidFill>
+                  <a:srgbClr val="FF0000"/>
+                </a:solidFill>
+              </a:rPr>
+              <a:t>The </a:t>
+            </a:r>
+            <a:r>
+              <a:rPr lang="en-US" dirty="0">
+                <a:solidFill>
+                  <a:srgbClr val="FF0000"/>
+                </a:solidFill>
+              </a:rPr>
+              <a:t>total momentum of a collection of objects (a </a:t>
+            </a:r>
+            <a:r>
+              <a:rPr lang="en-US" i="1" dirty="0">
+                <a:solidFill>
+                  <a:srgbClr val="FF0000"/>
+                </a:solidFill>
+              </a:rPr>
+              <a:t>system</a:t>
+            </a:r>
+            <a:r>
+              <a:rPr lang="en-US" dirty="0">
+                <a:solidFill>
+                  <a:srgbClr val="FF0000"/>
+                </a:solidFill>
+              </a:rPr>
+              <a:t>) is </a:t>
+            </a:r>
+            <a:r>
+              <a:rPr lang="en-US" i="1" dirty="0">
+                <a:solidFill>
+                  <a:srgbClr val="FF0000"/>
+                </a:solidFill>
+              </a:rPr>
+              <a:t>conserved</a:t>
+            </a:r>
+            <a:r>
+              <a:rPr lang="en-US" dirty="0">
+                <a:solidFill>
+                  <a:srgbClr val="FF0000"/>
+                </a:solidFill>
+              </a:rPr>
+              <a:t> - that is, the total amount of momentum is a constant or unchanging value</a:t>
+            </a:r>
+            <a:r>
+              <a:rPr lang="en-US" dirty="0"/>
+              <a:t>. </a:t>
+            </a:r>
+            <a:endParaRPr lang="en-US" dirty="0" smtClean="0"/>
+          </a:p>
+          <a:p>
+            <a:r>
+              <a:rPr lang="en-US" dirty="0" smtClean="0"/>
+              <a:t>Conserved- constant, not changing</a:t>
+            </a:r>
+          </a:p>
+          <a:p>
+            <a:r>
+              <a:rPr lang="en-US" dirty="0" smtClean="0"/>
+              <a:t>Law </a:t>
+            </a:r>
+            <a:r>
+              <a:rPr lang="en-US" dirty="0"/>
+              <a:t>of momentum conservation</a:t>
+            </a:r>
+          </a:p>
+        </p:txBody>
+      </p:sp>
+      <p:sp>
+        <p:nvSpPr>
+          <p:cNvPr id="4" name="TextBox 3"/>
+          <p:cNvSpPr txBox="1"/>
+          <p:nvPr/>
+        </p:nvSpPr>
+        <p:spPr>
+          <a:xfrm>
+            <a:off x="5638800" y="2975810"/>
+            <a:ext cx="65" cy="276999"/>
+          </a:xfrm>
+          <a:prstGeom prst="rect">
+            <a:avLst/>
+          </a:prstGeom>
+          <a:noFill/>
+        </p:spPr>
+        <p:txBody>
+          <a:bodyPr wrap="none" lIns="0" tIns="0" rIns="0" bIns="0" rtlCol="0">
+            <a:spAutoFit/>
+          </a:bodyPr>
+          <a:lstStyle/>
+          <a:p>
+            <a:endParaRPr lang="en-US" dirty="0"/>
+          </a:p>
+        </p:txBody>
+      </p:sp>
+    </p:spTree>
+    <p:extLst>
+      <p:ext uri="{BB962C8B-B14F-4D97-AF65-F5344CB8AC3E}">
+        <p14:creationId xmlns:p14="http://schemas.microsoft.com/office/powerpoint/2010/main" val="52867633"/>
+      </p:ext>
+    </p:extLst>
+  </p:cSld>
+  <p:clrMapOvr>
+    <a:masterClrMapping/>
+  </p:clrMapOvr>
+  <p:timing>
+    <p:tnLst>
+      <p:par>
+        <p:cTn id="1" dur="indefinite" restart="never" nodeType="tmRoot">
+          <p:childTnLst>
+            <p:seq concurrent="1" nextAc="seek">
+              <p:cTn id="2" dur="indefinite" nodeType="mainSeq">
+                <p:childTnLst>
+                  <p:par>
+                    <p:cTn id="3" fill="hold">
+                      <p:stCondLst>
+                        <p:cond delay="indefinite"/>
+                      </p:stCondLst>
+                      <p:childTnLst>
+                        <p:par>
+                          <p:cTn id="4" fill="hold">
+                            <p:stCondLst>
+                              <p:cond delay="0"/>
+                            </p:stCondLst>
+                            <p:childTnLst>
+                              <p:par>
+                                <p:cTn id="5" presetID="42" presetClass="entr" presetSubtype="0" fill="hold" nodeType="clickEffect">
+                                  <p:stCondLst>
+                                    <p:cond delay="0"/>
+                                  </p:stCondLst>
+                                  <p:childTnLst>
+                                    <p:set>
+                                      <p:cBhvr>
+                                        <p:cTn id="6" dur="1" fill="hold">
+                                          <p:stCondLst>
+                                            <p:cond delay="0"/>
+                                          </p:stCondLst>
+                                        </p:cTn>
+                                        <p:tgtEl>
+                                          <p:spTgt spid="3">
+                                            <p:txEl>
+                                              <p:pRg st="0" end="0"/>
+                                            </p:txEl>
+                                          </p:spTgt>
+                                        </p:tgtEl>
+                                        <p:attrNameLst>
+                                          <p:attrName>style.visibility</p:attrName>
+                                        </p:attrNameLst>
+                                      </p:cBhvr>
+                                      <p:to>
+                                        <p:strVal val="visible"/>
+                                      </p:to>
+                                    </p:set>
+                                    <p:animEffect transition="in" filter="fade">
+                                      <p:cBhvr>
+                                        <p:cTn id="7" dur="1000"/>
+                                        <p:tgtEl>
+                                          <p:spTgt spid="3">
+                                            <p:txEl>
+                                              <p:pRg st="0" end="0"/>
+                                            </p:txEl>
+                                          </p:spTgt>
+                                        </p:tgtEl>
+                                      </p:cBhvr>
+                                    </p:animEffect>
+                                    <p:anim calcmode="lin" valueType="num">
+                                      <p:cBhvr>
+                                        <p:cTn id="8" dur="1000" fill="hold"/>
+                                        <p:tgtEl>
+                                          <p:spTgt spid="3">
+                                            <p:txEl>
+                                              <p:pRg st="0" end="0"/>
+                                            </p:txEl>
+                                          </p:spTgt>
+                                        </p:tgtEl>
+                                        <p:attrNameLst>
+                                          <p:attrName>ppt_x</p:attrName>
+                                        </p:attrNameLst>
+                                      </p:cBhvr>
+                                      <p:tavLst>
+                                        <p:tav tm="0">
+                                          <p:val>
+                                            <p:strVal val="#ppt_x"/>
+                                          </p:val>
+                                        </p:tav>
+                                        <p:tav tm="100000">
+                                          <p:val>
+                                            <p:strVal val="#ppt_x"/>
+                                          </p:val>
+                                        </p:tav>
+                                      </p:tavLst>
+                                    </p:anim>
+                                    <p:anim calcmode="lin" valueType="num">
+                                      <p:cBhvr>
+                                        <p:cTn id="9" dur="1000" fill="hold"/>
+                                        <p:tgtEl>
+                                          <p:spTgt spid="3">
+                                            <p:txEl>
+                                              <p:pRg st="0" end="0"/>
+                                            </p:txEl>
+                                          </p:spTgt>
+                                        </p:tgtEl>
+                                        <p:attrNameLst>
+                                          <p:attrName>ppt_y</p:attrName>
+                                        </p:attrNameLst>
+                                      </p:cBhvr>
+                                      <p:tavLst>
+                                        <p:tav tm="0">
+                                          <p:val>
+                                            <p:strVal val="#ppt_y+.1"/>
+                                          </p:val>
+                                        </p:tav>
+                                        <p:tav tm="100000">
+                                          <p:val>
+                                            <p:strVal val="#ppt_y"/>
+                                          </p:val>
+                                        </p:tav>
+                                      </p:tavLst>
+                                    </p:anim>
+                                  </p:childTnLst>
+                                </p:cTn>
+                              </p:par>
+                            </p:childTnLst>
+                          </p:cTn>
+                        </p:par>
+                      </p:childTnLst>
+                    </p:cTn>
+                  </p:par>
+                  <p:par>
+                    <p:cTn id="10" fill="hold">
+                      <p:stCondLst>
+                        <p:cond delay="indefinite"/>
+                      </p:stCondLst>
+                      <p:childTnLst>
+                        <p:par>
+                          <p:cTn id="11" fill="hold">
+                            <p:stCondLst>
+                              <p:cond delay="0"/>
+                            </p:stCondLst>
+                            <p:childTnLst>
+                              <p:par>
+                                <p:cTn id="12" presetID="42" presetClass="entr" presetSubtype="0" fill="hold" nodeType="clickEffect">
+                                  <p:stCondLst>
+                                    <p:cond delay="0"/>
+                                  </p:stCondLst>
+                                  <p:childTnLst>
+                                    <p:set>
+                                      <p:cBhvr>
+                                        <p:cTn id="13" dur="1" fill="hold">
+                                          <p:stCondLst>
+                                            <p:cond delay="0"/>
+                                          </p:stCondLst>
+                                        </p:cTn>
+                                        <p:tgtEl>
+                                          <p:spTgt spid="3">
+                                            <p:txEl>
+                                              <p:pRg st="1" end="1"/>
+                                            </p:txEl>
+                                          </p:spTgt>
+                                        </p:tgtEl>
+                                        <p:attrNameLst>
+                                          <p:attrName>style.visibility</p:attrName>
+                                        </p:attrNameLst>
+                                      </p:cBhvr>
+                                      <p:to>
+                                        <p:strVal val="visible"/>
+                                      </p:to>
+                                    </p:set>
+                                    <p:animEffect transition="in" filter="fade">
+                                      <p:cBhvr>
+                                        <p:cTn id="14" dur="1000"/>
+                                        <p:tgtEl>
+                                          <p:spTgt spid="3">
+                                            <p:txEl>
+                                              <p:pRg st="1" end="1"/>
+                                            </p:txEl>
+                                          </p:spTgt>
+                                        </p:tgtEl>
+                                      </p:cBhvr>
+                                    </p:animEffect>
+                                    <p:anim calcmode="lin" valueType="num">
+                                      <p:cBhvr>
+                                        <p:cTn id="15" dur="1000" fill="hold"/>
+                                        <p:tgtEl>
+                                          <p:spTgt spid="3">
+                                            <p:txEl>
+                                              <p:pRg st="1" end="1"/>
+                                            </p:txEl>
+                                          </p:spTgt>
+                                        </p:tgtEl>
+                                        <p:attrNameLst>
+                                          <p:attrName>ppt_x</p:attrName>
+                                        </p:attrNameLst>
+                                      </p:cBhvr>
+                                      <p:tavLst>
+                                        <p:tav tm="0">
+                                          <p:val>
+                                            <p:strVal val="#ppt_x"/>
+                                          </p:val>
+                                        </p:tav>
+                                        <p:tav tm="100000">
+                                          <p:val>
+                                            <p:strVal val="#ppt_x"/>
+                                          </p:val>
+                                        </p:tav>
+                                      </p:tavLst>
+                                    </p:anim>
+                                    <p:anim calcmode="lin" valueType="num">
+                                      <p:cBhvr>
+                                        <p:cTn id="16" dur="1000" fill="hold"/>
+                                        <p:tgtEl>
+                                          <p:spTgt spid="3">
+                                            <p:txEl>
+                                              <p:pRg st="1" end="1"/>
+                                            </p:txEl>
+                                          </p:spTgt>
+                                        </p:tgtEl>
+                                        <p:attrNameLst>
+                                          <p:attrName>ppt_y</p:attrName>
+                                        </p:attrNameLst>
+                                      </p:cBhvr>
+                                      <p:tavLst>
+                                        <p:tav tm="0">
+                                          <p:val>
+                                            <p:strVal val="#ppt_y+.1"/>
+                                          </p:val>
+                                        </p:tav>
+                                        <p:tav tm="100000">
+                                          <p:val>
+                                            <p:strVal val="#ppt_y"/>
+                                          </p:val>
+                                        </p:tav>
+                                      </p:tavLst>
+                                    </p:anim>
+                                  </p:childTnLst>
+                                </p:cTn>
+                              </p:par>
+                            </p:childTnLst>
+                          </p:cTn>
+                        </p:par>
+                      </p:childTnLst>
+                    </p:cTn>
+                  </p:par>
+                  <p:par>
+                    <p:cTn id="17" fill="hold">
+                      <p:stCondLst>
+                        <p:cond delay="indefinite"/>
+                      </p:stCondLst>
+                      <p:childTnLst>
+                        <p:par>
+                          <p:cTn id="18" fill="hold">
+                            <p:stCondLst>
+                              <p:cond delay="0"/>
+                            </p:stCondLst>
+                            <p:childTnLst>
+                              <p:par>
+                                <p:cTn id="19" presetID="42" presetClass="entr" presetSubtype="0" fill="hold" nodeType="clickEffect">
+                                  <p:stCondLst>
+                                    <p:cond delay="0"/>
+                                  </p:stCondLst>
+                                  <p:childTnLst>
+                                    <p:set>
+                                      <p:cBhvr>
+                                        <p:cTn id="20" dur="1" fill="hold">
+                                          <p:stCondLst>
+                                            <p:cond delay="0"/>
+                                          </p:stCondLst>
+                                        </p:cTn>
+                                        <p:tgtEl>
+                                          <p:spTgt spid="3">
+                                            <p:txEl>
+                                              <p:pRg st="2" end="2"/>
+                                            </p:txEl>
+                                          </p:spTgt>
+                                        </p:tgtEl>
+                                        <p:attrNameLst>
+                                          <p:attrName>style.visibility</p:attrName>
+                                        </p:attrNameLst>
+                                      </p:cBhvr>
+                                      <p:to>
+                                        <p:strVal val="visible"/>
+                                      </p:to>
+                                    </p:set>
+                                    <p:animEffect transition="in" filter="fade">
+                                      <p:cBhvr>
+                                        <p:cTn id="21" dur="1000"/>
+                                        <p:tgtEl>
+                                          <p:spTgt spid="3">
+                                            <p:txEl>
+                                              <p:pRg st="2" end="2"/>
+                                            </p:txEl>
+                                          </p:spTgt>
+                                        </p:tgtEl>
+                                      </p:cBhvr>
+                                    </p:animEffect>
+                                    <p:anim calcmode="lin" valueType="num">
+                                      <p:cBhvr>
+                                        <p:cTn id="22" dur="1000" fill="hold"/>
+                                        <p:tgtEl>
+                                          <p:spTgt spid="3">
+                                            <p:txEl>
+                                              <p:pRg st="2" end="2"/>
+                                            </p:txEl>
+                                          </p:spTgt>
+                                        </p:tgtEl>
+                                        <p:attrNameLst>
+                                          <p:attrName>ppt_x</p:attrName>
+                                        </p:attrNameLst>
+                                      </p:cBhvr>
+                                      <p:tavLst>
+                                        <p:tav tm="0">
+                                          <p:val>
+                                            <p:strVal val="#ppt_x"/>
+                                          </p:val>
+                                        </p:tav>
+                                        <p:tav tm="100000">
+                                          <p:val>
+                                            <p:strVal val="#ppt_x"/>
+                                          </p:val>
+                                        </p:tav>
+                                      </p:tavLst>
+                                    </p:anim>
+                                    <p:anim calcmode="lin" valueType="num">
+                                      <p:cBhvr>
+                                        <p:cTn id="23" dur="1000" fill="hold"/>
+                                        <p:tgtEl>
+                                          <p:spTgt spid="3">
+                                            <p:txEl>
+                                              <p:pRg st="2" end="2"/>
+                                            </p:txEl>
+                                          </p:spTgt>
+                                        </p:tgtEl>
+                                        <p:attrNameLst>
+                                          <p:attrName>ppt_y</p:attrName>
+                                        </p:attrNameLst>
+                                      </p:cBhvr>
+                                      <p:tavLst>
+                                        <p:tav tm="0">
+                                          <p:val>
+                                            <p:strVal val="#ppt_y+.1"/>
+                                          </p:val>
+                                        </p:tav>
+                                        <p:tav tm="100000">
+                                          <p:val>
+                                            <p:strVal val="#ppt_y"/>
+                                          </p:val>
+                                        </p:tav>
+                                      </p:tavLst>
+                                    </p:anim>
+                                  </p:childTnLst>
+                                </p:cTn>
+                              </p:par>
+                            </p:childTnLst>
+                          </p:cTn>
+                        </p:par>
+                      </p:childTnLst>
+                    </p:cTn>
+                  </p:par>
+                  <p:par>
+                    <p:cTn id="24" fill="hold">
+                      <p:stCondLst>
+                        <p:cond delay="indefinite"/>
+                      </p:stCondLst>
+                      <p:childTnLst>
+                        <p:par>
+                          <p:cTn id="25" fill="hold">
+                            <p:stCondLst>
+                              <p:cond delay="0"/>
+                            </p:stCondLst>
+                            <p:childTnLst>
+                              <p:par>
+                                <p:cTn id="26" presetID="42" presetClass="entr" presetSubtype="0" fill="hold" nodeType="clickEffect">
+                                  <p:stCondLst>
+                                    <p:cond delay="0"/>
+                                  </p:stCondLst>
+                                  <p:childTnLst>
+                                    <p:set>
+                                      <p:cBhvr>
+                                        <p:cTn id="27" dur="1" fill="hold">
+                                          <p:stCondLst>
+                                            <p:cond delay="0"/>
+                                          </p:stCondLst>
+                                        </p:cTn>
+                                        <p:tgtEl>
+                                          <p:spTgt spid="3">
+                                            <p:txEl>
+                                              <p:pRg st="3" end="3"/>
+                                            </p:txEl>
+                                          </p:spTgt>
+                                        </p:tgtEl>
+                                        <p:attrNameLst>
+                                          <p:attrName>style.visibility</p:attrName>
+                                        </p:attrNameLst>
+                                      </p:cBhvr>
+                                      <p:to>
+                                        <p:strVal val="visible"/>
+                                      </p:to>
+                                    </p:set>
+                                    <p:animEffect transition="in" filter="fade">
+                                      <p:cBhvr>
+                                        <p:cTn id="28" dur="1000"/>
+                                        <p:tgtEl>
+                                          <p:spTgt spid="3">
+                                            <p:txEl>
+                                              <p:pRg st="3" end="3"/>
+                                            </p:txEl>
+                                          </p:spTgt>
+                                        </p:tgtEl>
+                                      </p:cBhvr>
+                                    </p:animEffect>
+                                    <p:anim calcmode="lin" valueType="num">
+                                      <p:cBhvr>
+                                        <p:cTn id="29" dur="1000" fill="hold"/>
+                                        <p:tgtEl>
+                                          <p:spTgt spid="3">
+                                            <p:txEl>
+                                              <p:pRg st="3" end="3"/>
+                                            </p:txEl>
+                                          </p:spTgt>
+                                        </p:tgtEl>
+                                        <p:attrNameLst>
+                                          <p:attrName>ppt_x</p:attrName>
+                                        </p:attrNameLst>
+                                      </p:cBhvr>
+                                      <p:tavLst>
+                                        <p:tav tm="0">
+                                          <p:val>
+                                            <p:strVal val="#ppt_x"/>
+                                          </p:val>
+                                        </p:tav>
+                                        <p:tav tm="100000">
+                                          <p:val>
+                                            <p:strVal val="#ppt_x"/>
+                                          </p:val>
+                                        </p:tav>
+                                      </p:tavLst>
+                                    </p:anim>
+                                    <p:anim calcmode="lin" valueType="num">
+                                      <p:cBhvr>
+                                        <p:cTn id="30" dur="1000" fill="hold"/>
+                                        <p:tgtEl>
+                                          <p:spTgt spid="3">
+                                            <p:txEl>
+                                              <p:pRg st="3" end="3"/>
+                                            </p:txEl>
+                                          </p:spTgt>
+                                        </p:tgtEl>
+                                        <p:attrNameLst>
+                                          <p:attrName>ppt_y</p:attrName>
+                                        </p:attrNameLst>
+                                      </p:cBhvr>
+                                      <p:tavLst>
+                                        <p:tav tm="0">
+                                          <p:val>
+                                            <p:strVal val="#ppt_y+.1"/>
+                                          </p:val>
+                                        </p:tav>
+                                        <p:tav tm="100000">
+                                          <p:val>
+                                            <p:strVal val="#ppt_y"/>
+                                          </p:val>
+                                        </p:tav>
+                                      </p:tavLst>
+                                    </p:anim>
+                                  </p:childTnLst>
+                                </p:cTn>
+                              </p:par>
+                            </p:childTnLst>
+                          </p:cTn>
+                        </p:par>
+                      </p:childTnLst>
+                    </p:cTn>
+                  </p:par>
+                  <p:par>
+                    <p:cTn id="31" fill="hold">
+                      <p:stCondLst>
+                        <p:cond delay="indefinite"/>
+                      </p:stCondLst>
+                      <p:childTnLst>
+                        <p:par>
+                          <p:cTn id="32" fill="hold">
+                            <p:stCondLst>
+                              <p:cond delay="0"/>
+                            </p:stCondLst>
+                            <p:childTnLst>
+                              <p:par>
+                                <p:cTn id="33" presetID="42" presetClass="entr" presetSubtype="0" fill="hold" nodeType="clickEffect">
+                                  <p:stCondLst>
+                                    <p:cond delay="0"/>
+                                  </p:stCondLst>
+                                  <p:childTnLst>
+                                    <p:set>
+                                      <p:cBhvr>
+                                        <p:cTn id="34" dur="1" fill="hold">
+                                          <p:stCondLst>
+                                            <p:cond delay="0"/>
+                                          </p:stCondLst>
+                                        </p:cTn>
+                                        <p:tgtEl>
+                                          <p:spTgt spid="3">
+                                            <p:txEl>
+                                              <p:pRg st="4" end="4"/>
+                                            </p:txEl>
+                                          </p:spTgt>
+                                        </p:tgtEl>
+                                        <p:attrNameLst>
+                                          <p:attrName>style.visibility</p:attrName>
+                                        </p:attrNameLst>
+                                      </p:cBhvr>
+                                      <p:to>
+                                        <p:strVal val="visible"/>
+                                      </p:to>
+                                    </p:set>
+                                    <p:animEffect transition="in" filter="fade">
+                                      <p:cBhvr>
+                                        <p:cTn id="35" dur="1000"/>
+                                        <p:tgtEl>
+                                          <p:spTgt spid="3">
+                                            <p:txEl>
+                                              <p:pRg st="4" end="4"/>
+                                            </p:txEl>
+                                          </p:spTgt>
+                                        </p:tgtEl>
+                                      </p:cBhvr>
+                                    </p:animEffect>
+                                    <p:anim calcmode="lin" valueType="num">
+                                      <p:cBhvr>
+                                        <p:cTn id="36" dur="1000" fill="hold"/>
+                                        <p:tgtEl>
+                                          <p:spTgt spid="3">
+                                            <p:txEl>
+                                              <p:pRg st="4" end="4"/>
+                                            </p:txEl>
+                                          </p:spTgt>
+                                        </p:tgtEl>
+                                        <p:attrNameLst>
+                                          <p:attrName>ppt_x</p:attrName>
+                                        </p:attrNameLst>
+                                      </p:cBhvr>
+                                      <p:tavLst>
+                                        <p:tav tm="0">
+                                          <p:val>
+                                            <p:strVal val="#ppt_x"/>
+                                          </p:val>
+                                        </p:tav>
+                                        <p:tav tm="100000">
+                                          <p:val>
+                                            <p:strVal val="#ppt_x"/>
+                                          </p:val>
+                                        </p:tav>
+                                      </p:tavLst>
+                                    </p:anim>
+                                    <p:anim calcmode="lin" valueType="num">
+                                      <p:cBhvr>
+                                        <p:cTn id="37" dur="1000" fill="hold"/>
+                                        <p:tgtEl>
+                                          <p:spTgt spid="3">
+                                            <p:txEl>
+                                              <p:pRg st="4" end="4"/>
+                                            </p:txEl>
+                                          </p:spTgt>
+                                        </p:tgtEl>
+                                        <p:attrNameLst>
+                                          <p:attrName>ppt_y</p:attrName>
+                                        </p:attrNameLst>
+                                      </p:cBhvr>
+                                      <p:tavLst>
+                                        <p:tav tm="0">
+                                          <p:val>
+                                            <p:strVal val="#ppt_y+.1"/>
+                                          </p:val>
+                                        </p:tav>
+                                        <p:tav tm="100000">
+                                          <p:val>
+                                            <p:strVal val="#ppt_y"/>
+                                          </p:val>
+                                        </p:tav>
+                                      </p:tavLst>
+                                    </p:anim>
+                                  </p:childTnLst>
+                                </p:cTn>
+                              </p:par>
+                            </p:childTnLst>
+                          </p:cTn>
+                        </p:par>
+                      </p:childTnLst>
+                    </p:cTn>
+                  </p:par>
+                  <p:par>
+                    <p:cTn id="38" fill="hold">
+                      <p:stCondLst>
+                        <p:cond delay="indefinite"/>
+                      </p:stCondLst>
+                      <p:childTnLst>
+                        <p:par>
+                          <p:cTn id="39" fill="hold">
+                            <p:stCondLst>
+                              <p:cond delay="0"/>
+                            </p:stCondLst>
+                            <p:childTnLst>
+                              <p:par>
+                                <p:cTn id="40" presetID="42" presetClass="entr" presetSubtype="0" fill="hold" nodeType="clickEffect">
+                                  <p:stCondLst>
+                                    <p:cond delay="0"/>
+                                  </p:stCondLst>
+                                  <p:childTnLst>
+                                    <p:set>
+                                      <p:cBhvr>
+                                        <p:cTn id="41" dur="1" fill="hold">
+                                          <p:stCondLst>
+                                            <p:cond delay="0"/>
+                                          </p:stCondLst>
+                                        </p:cTn>
+                                        <p:tgtEl>
+                                          <p:spTgt spid="3">
+                                            <p:txEl>
+                                              <p:pRg st="5" end="5"/>
+                                            </p:txEl>
+                                          </p:spTgt>
+                                        </p:tgtEl>
+                                        <p:attrNameLst>
+                                          <p:attrName>style.visibility</p:attrName>
+                                        </p:attrNameLst>
+                                      </p:cBhvr>
+                                      <p:to>
+                                        <p:strVal val="visible"/>
+                                      </p:to>
+                                    </p:set>
+                                    <p:animEffect transition="in" filter="fade">
+                                      <p:cBhvr>
+                                        <p:cTn id="42" dur="1000"/>
+                                        <p:tgtEl>
+                                          <p:spTgt spid="3">
+                                            <p:txEl>
+                                              <p:pRg st="5" end="5"/>
+                                            </p:txEl>
+                                          </p:spTgt>
+                                        </p:tgtEl>
+                                      </p:cBhvr>
+                                    </p:animEffect>
+                                    <p:anim calcmode="lin" valueType="num">
+                                      <p:cBhvr>
+                                        <p:cTn id="43" dur="1000" fill="hold"/>
+                                        <p:tgtEl>
+                                          <p:spTgt spid="3">
+                                            <p:txEl>
+                                              <p:pRg st="5" end="5"/>
+                                            </p:txEl>
+                                          </p:spTgt>
+                                        </p:tgtEl>
+                                        <p:attrNameLst>
+                                          <p:attrName>ppt_x</p:attrName>
+                                        </p:attrNameLst>
+                                      </p:cBhvr>
+                                      <p:tavLst>
+                                        <p:tav tm="0">
+                                          <p:val>
+                                            <p:strVal val="#ppt_x"/>
+                                          </p:val>
+                                        </p:tav>
+                                        <p:tav tm="100000">
+                                          <p:val>
+                                            <p:strVal val="#ppt_x"/>
+                                          </p:val>
+                                        </p:tav>
+                                      </p:tavLst>
+                                    </p:anim>
+                                    <p:anim calcmode="lin" valueType="num">
+                                      <p:cBhvr>
+                                        <p:cTn id="44" dur="1000" fill="hold"/>
+                                        <p:tgtEl>
+                                          <p:spTgt spid="3">
+                                            <p:txEl>
+                                              <p:pRg st="5" end="5"/>
+                                            </p:txEl>
+                                          </p:spTgt>
+                                        </p:tgtEl>
+                                        <p:attrNameLst>
+                                          <p:attrName>ppt_y</p:attrName>
+                                        </p:attrNameLst>
+                                      </p:cBhvr>
+                                      <p:tavLst>
+                                        <p:tav tm="0">
+                                          <p:val>
+                                            <p:strVal val="#ppt_y+.1"/>
+                                          </p:val>
+                                        </p:tav>
+                                        <p:tav tm="100000">
+                                          <p:val>
+                                            <p:strVal val="#ppt_y"/>
+                                          </p:val>
+                                        </p:tav>
+                                      </p:tavLst>
+                                    </p:anim>
+                                  </p:childTnLst>
+                                </p:cTn>
+                              </p:par>
+                            </p:childTnLst>
+                          </p:cTn>
+                        </p:par>
+                      </p:childTnLst>
+                    </p:cTn>
+                  </p:par>
+                  <p:par>
+                    <p:cTn id="45" fill="hold">
+                      <p:stCondLst>
+                        <p:cond delay="indefinite"/>
+                      </p:stCondLst>
+                      <p:childTnLst>
+                        <p:par>
+                          <p:cTn id="46" fill="hold">
+                            <p:stCondLst>
+                              <p:cond delay="0"/>
+                            </p:stCondLst>
+                            <p:childTnLst>
+                              <p:par>
+                                <p:cTn id="47" presetID="42" presetClass="entr" presetSubtype="0" fill="hold" nodeType="clickEffect">
+                                  <p:stCondLst>
+                                    <p:cond delay="0"/>
+                                  </p:stCondLst>
+                                  <p:childTnLst>
+                                    <p:set>
+                                      <p:cBhvr>
+                                        <p:cTn id="48" dur="1" fill="hold">
+                                          <p:stCondLst>
+                                            <p:cond delay="0"/>
+                                          </p:stCondLst>
+                                        </p:cTn>
+                                        <p:tgtEl>
+                                          <p:spTgt spid="3">
+                                            <p:txEl>
+                                              <p:pRg st="6" end="6"/>
+                                            </p:txEl>
+                                          </p:spTgt>
+                                        </p:tgtEl>
+                                        <p:attrNameLst>
+                                          <p:attrName>style.visibility</p:attrName>
+                                        </p:attrNameLst>
+                                      </p:cBhvr>
+                                      <p:to>
+                                        <p:strVal val="visible"/>
+                                      </p:to>
+                                    </p:set>
+                                    <p:animEffect transition="in" filter="fade">
+                                      <p:cBhvr>
+                                        <p:cTn id="49" dur="1000"/>
+                                        <p:tgtEl>
+                                          <p:spTgt spid="3">
+                                            <p:txEl>
+                                              <p:pRg st="6" end="6"/>
+                                            </p:txEl>
+                                          </p:spTgt>
+                                        </p:tgtEl>
+                                      </p:cBhvr>
+                                    </p:animEffect>
+                                    <p:anim calcmode="lin" valueType="num">
+                                      <p:cBhvr>
+                                        <p:cTn id="50" dur="1000" fill="hold"/>
+                                        <p:tgtEl>
+                                          <p:spTgt spid="3">
+                                            <p:txEl>
+                                              <p:pRg st="6" end="6"/>
+                                            </p:txEl>
+                                          </p:spTgt>
+                                        </p:tgtEl>
+                                        <p:attrNameLst>
+                                          <p:attrName>ppt_x</p:attrName>
+                                        </p:attrNameLst>
+                                      </p:cBhvr>
+                                      <p:tavLst>
+                                        <p:tav tm="0">
+                                          <p:val>
+                                            <p:strVal val="#ppt_x"/>
+                                          </p:val>
+                                        </p:tav>
+                                        <p:tav tm="100000">
+                                          <p:val>
+                                            <p:strVal val="#ppt_x"/>
+                                          </p:val>
+                                        </p:tav>
+                                      </p:tavLst>
+                                    </p:anim>
+                                    <p:anim calcmode="lin" valueType="num">
+                                      <p:cBhvr>
+                                        <p:cTn id="51" dur="1000" fill="hold"/>
+                                        <p:tgtEl>
+                                          <p:spTgt spid="3">
+                                            <p:txEl>
+                                              <p:pRg st="6" end="6"/>
+                                            </p:txEl>
+                                          </p:spTgt>
+                                        </p:tgtEl>
+                                        <p:attrNameLst>
+                                          <p:attrName>ppt_y</p:attrName>
+                                        </p:attrNameLst>
+                                      </p:cBhvr>
+                                      <p:tavLst>
+                                        <p:tav tm="0">
+                                          <p:val>
+                                            <p:strVal val="#ppt_y+.1"/>
+                                          </p:val>
+                                        </p:tav>
+                                        <p:tav tm="100000">
+                                          <p:val>
+                                            <p:strVal val="#ppt_y"/>
+                                          </p:val>
+                                        </p:tav>
+                                      </p:tavLst>
+                                    </p:anim>
+                                  </p:childTnLst>
+                                </p:cTn>
+                              </p:par>
+                            </p:childTnLst>
+                          </p:cTn>
+                        </p:par>
+                      </p:childTnLst>
+                    </p:cTn>
+                  </p:par>
+                  <p:par>
+                    <p:cTn id="52" fill="hold">
+                      <p:stCondLst>
+                        <p:cond delay="indefinite"/>
+                      </p:stCondLst>
+                      <p:childTnLst>
+                        <p:par>
+                          <p:cTn id="53" fill="hold">
+                            <p:stCondLst>
+                              <p:cond delay="0"/>
+                            </p:stCondLst>
+                            <p:childTnLst>
+                              <p:par>
+                                <p:cTn id="54" presetID="42" presetClass="entr" presetSubtype="0" fill="hold" nodeType="clickEffect">
+                                  <p:stCondLst>
+                                    <p:cond delay="0"/>
+                                  </p:stCondLst>
+                                  <p:childTnLst>
+                                    <p:set>
+                                      <p:cBhvr>
+                                        <p:cTn id="55" dur="1" fill="hold">
+                                          <p:stCondLst>
+                                            <p:cond delay="0"/>
+                                          </p:stCondLst>
+                                        </p:cTn>
+                                        <p:tgtEl>
+                                          <p:spTgt spid="3">
+                                            <p:txEl>
+                                              <p:pRg st="7" end="7"/>
+                                            </p:txEl>
+                                          </p:spTgt>
+                                        </p:tgtEl>
+                                        <p:attrNameLst>
+                                          <p:attrName>style.visibility</p:attrName>
+                                        </p:attrNameLst>
+                                      </p:cBhvr>
+                                      <p:to>
+                                        <p:strVal val="visible"/>
+                                      </p:to>
+                                    </p:set>
+                                    <p:animEffect transition="in" filter="fade">
+                                      <p:cBhvr>
+                                        <p:cTn id="56" dur="1000"/>
+                                        <p:tgtEl>
+                                          <p:spTgt spid="3">
+                                            <p:txEl>
+                                              <p:pRg st="7" end="7"/>
+                                            </p:txEl>
+                                          </p:spTgt>
+                                        </p:tgtEl>
+                                      </p:cBhvr>
+                                    </p:animEffect>
+                                    <p:anim calcmode="lin" valueType="num">
+                                      <p:cBhvr>
+                                        <p:cTn id="57" dur="1000" fill="hold"/>
+                                        <p:tgtEl>
+                                          <p:spTgt spid="3">
+                                            <p:txEl>
+                                              <p:pRg st="7" end="7"/>
+                                            </p:txEl>
+                                          </p:spTgt>
+                                        </p:tgtEl>
+                                        <p:attrNameLst>
+                                          <p:attrName>ppt_x</p:attrName>
+                                        </p:attrNameLst>
+                                      </p:cBhvr>
+                                      <p:tavLst>
+                                        <p:tav tm="0">
+                                          <p:val>
+                                            <p:strVal val="#ppt_x"/>
+                                          </p:val>
+                                        </p:tav>
+                                        <p:tav tm="100000">
+                                          <p:val>
+                                            <p:strVal val="#ppt_x"/>
+                                          </p:val>
+                                        </p:tav>
+                                      </p:tavLst>
+                                    </p:anim>
+                                    <p:anim calcmode="lin" valueType="num">
+                                      <p:cBhvr>
+                                        <p:cTn id="58" dur="1000" fill="hold"/>
+                                        <p:tgtEl>
+                                          <p:spTgt spid="3">
+                                            <p:txEl>
+                                              <p:pRg st="7" end="7"/>
+                                            </p:txEl>
+                                          </p:spTgt>
+                                        </p:tgtEl>
+                                        <p:attrNameLst>
+                                          <p:attrName>ppt_y</p:attrName>
+                                        </p:attrNameLst>
+                                      </p:cBhvr>
+                                      <p:tavLst>
+                                        <p:tav tm="0">
+                                          <p:val>
+                                            <p:strVal val="#ppt_y+.1"/>
+                                          </p:val>
+                                        </p:tav>
+                                        <p:tav tm="100000">
+                                          <p:val>
+                                            <p:strVal val="#ppt_y"/>
+                                          </p:val>
+                                        </p:tav>
+                                      </p:tavLst>
+                                    </p:anim>
+                                  </p:childTnLst>
+                                </p:cTn>
+                              </p:par>
+                            </p:childTnLst>
+                          </p:cTn>
+                        </p:par>
+                      </p:childTnLst>
+                    </p:cTn>
+                  </p:par>
+                </p:childTnLst>
+              </p:cTn>
+              <p:prevCondLst>
+                <p:cond evt="onPrev" delay="0">
+                  <p:tgtEl>
+                    <p:sldTgt/>
+                  </p:tgtEl>
+                </p:cond>
+              </p:prevCondLst>
+              <p:nextCondLst>
+                <p:cond evt="onNext" delay="0">
+                  <p:tgtEl>
+                    <p:sldTgt/>
+                  </p:tgtEl>
+                </p:cond>
+              </p:nextCondLst>
+            </p:seq>
+          </p:childTnLst>
+        </p:cTn>
+      </p:par>
+    </p:tnLst>
+  </p:timing>
+</p:sld>
+</file>
+
+<file path=ppt/slides/slide9.xml><?xml version="1.0" encoding="utf-8"?>
+<p:sld xmlns:a="http://schemas.openxmlformats.org/drawingml/2006/main" xmlns:r="http://schemas.openxmlformats.org/officeDocument/2006/relationships" xmlns:p="http://schemas.openxmlformats.org/presentationml/2006/main">
+  <p:cSld>
+    <p:spTree>
+      <p:nvGrpSpPr>
+        <p:cNvPr id="1" name=""/>
+        <p:cNvGrpSpPr/>
+        <p:nvPr/>
+      </p:nvGrpSpPr>
+      <p:grpSpPr>
+        <a:xfrm>
+          <a:off x="0" y="0"/>
+          <a:ext cx="0" cy="0"/>
+          <a:chOff x="0" y="0"/>
+          <a:chExt cx="0" cy="0"/>
+        </a:xfrm>
+      </p:grpSpPr>
+      <p:sp>
+        <p:nvSpPr>
+          <p:cNvPr id="2" name="Title 1"/>
+          <p:cNvSpPr>
+            <a:spLocks noGrp="1"/>
+          </p:cNvSpPr>
+          <p:nvPr>
+            <p:ph type="title"/>
+          </p:nvPr>
+        </p:nvSpPr>
+        <p:spPr/>
+        <p:txBody>
+          <a:bodyPr/>
+          <a:lstStyle/>
+          <a:p>
+            <a:r>
+              <a:rPr lang="en-US" dirty="0" smtClean="0"/>
+              <a:t>Momentum Conservation Principle</a:t>
+            </a:r>
             <a:endParaRPr lang="en-US" dirty="0"/>
           </a:p>
         </p:txBody>
@@ -7167,6 +9543,283 @@
                   <a:rPr lang="en-US" dirty="0" smtClean="0"/>
                   <a:t> of a system = sum of the p of the elements of the system</a:t>
                 </a:r>
+              </a:p>
+              <a:p>
+                <a14:m>
+                  <m:oMath xmlns:m="http://schemas.openxmlformats.org/officeDocument/2006/math">
+                    <m:r>
+                      <a:rPr lang="en-US" b="0" i="1" smtClean="0">
+                        <a:latin typeface="Cambria Math" panose="02040503050406030204" pitchFamily="18" charset="0"/>
+                      </a:rPr>
+                      <m:t>𝑝</m:t>
+                    </m:r>
+                    <m:r>
+                      <a:rPr lang="en-US" b="0" i="1" smtClean="0">
+                        <a:latin typeface="Cambria Math" panose="02040503050406030204" pitchFamily="18" charset="0"/>
+                      </a:rPr>
+                      <m:t>=</m:t>
+                    </m:r>
+                    <m:sSub>
+                      <m:sSubPr>
+                        <m:ctrlPr>
+                          <a:rPr lang="en-US" b="0" i="1" smtClean="0">
+                            <a:latin typeface="Cambria Math" panose="02040503050406030204" pitchFamily="18" charset="0"/>
+                          </a:rPr>
+                        </m:ctrlPr>
+                      </m:sSubPr>
+                      <m:e>
+                        <m:r>
+                          <a:rPr lang="en-US" b="0" i="1" smtClean="0">
+                            <a:latin typeface="Cambria Math" panose="02040503050406030204" pitchFamily="18" charset="0"/>
+                          </a:rPr>
+                          <m:t>𝑝</m:t>
+                        </m:r>
+                      </m:e>
+                      <m:sub>
+                        <m:r>
+                          <a:rPr lang="en-US" b="0" i="1" smtClean="0">
+                            <a:latin typeface="Cambria Math" panose="02040503050406030204" pitchFamily="18" charset="0"/>
+                          </a:rPr>
+                          <m:t>1</m:t>
+                        </m:r>
+                      </m:sub>
+                    </m:sSub>
+                    <m:r>
+                      <a:rPr lang="en-US" b="0" i="1" smtClean="0">
+                        <a:latin typeface="Cambria Math" panose="02040503050406030204" pitchFamily="18" charset="0"/>
+                      </a:rPr>
+                      <m:t>+</m:t>
+                    </m:r>
+                    <m:sSub>
+                      <m:sSubPr>
+                        <m:ctrlPr>
+                          <a:rPr lang="en-US" b="0" i="1" smtClean="0">
+                            <a:latin typeface="Cambria Math" panose="02040503050406030204" pitchFamily="18" charset="0"/>
+                          </a:rPr>
+                        </m:ctrlPr>
+                      </m:sSubPr>
+                      <m:e>
+                        <m:r>
+                          <a:rPr lang="en-US" b="0" i="1" smtClean="0">
+                            <a:latin typeface="Cambria Math" panose="02040503050406030204" pitchFamily="18" charset="0"/>
+                          </a:rPr>
+                          <m:t>𝑝</m:t>
+                        </m:r>
+                      </m:e>
+                      <m:sub>
+                        <m:r>
+                          <a:rPr lang="en-US" b="0" i="1" smtClean="0">
+                            <a:latin typeface="Cambria Math" panose="02040503050406030204" pitchFamily="18" charset="0"/>
+                          </a:rPr>
+                          <m:t>2</m:t>
+                        </m:r>
+                      </m:sub>
+                    </m:sSub>
+                    <m:r>
+                      <a:rPr lang="en-US" b="0" i="1" smtClean="0">
+                        <a:latin typeface="Cambria Math" panose="02040503050406030204" pitchFamily="18" charset="0"/>
+                      </a:rPr>
+                      <m:t>+</m:t>
+                    </m:r>
+                    <m:sSub>
+                      <m:sSubPr>
+                        <m:ctrlPr>
+                          <a:rPr lang="en-US" b="0" i="1" smtClean="0">
+                            <a:latin typeface="Cambria Math" panose="02040503050406030204" pitchFamily="18" charset="0"/>
+                          </a:rPr>
+                        </m:ctrlPr>
+                      </m:sSubPr>
+                      <m:e>
+                        <m:r>
+                          <a:rPr lang="en-US" b="0" i="1" smtClean="0">
+                            <a:latin typeface="Cambria Math" panose="02040503050406030204" pitchFamily="18" charset="0"/>
+                          </a:rPr>
+                          <m:t>𝑝</m:t>
+                        </m:r>
+                      </m:e>
+                      <m:sub>
+                        <m:r>
+                          <a:rPr lang="en-US" b="0" i="1" smtClean="0">
+                            <a:latin typeface="Cambria Math" panose="02040503050406030204" pitchFamily="18" charset="0"/>
+                          </a:rPr>
+                          <m:t>3</m:t>
+                        </m:r>
+                      </m:sub>
+                    </m:sSub>
+                    <m:r>
+                      <a:rPr lang="en-US" b="0" i="1" smtClean="0">
+                        <a:latin typeface="Cambria Math" panose="02040503050406030204" pitchFamily="18" charset="0"/>
+                      </a:rPr>
+                      <m:t>………</m:t>
+                    </m:r>
+                  </m:oMath>
+                </a14:m>
+                <a:endParaRPr lang="en-US" b="0" dirty="0" smtClean="0"/>
+              </a:p>
+              <a:p>
+                <a14:m>
+                  <m:oMath xmlns:m="http://schemas.openxmlformats.org/officeDocument/2006/math">
+                    <m:sSub>
+                      <m:sSubPr>
+                        <m:ctrlPr>
+                          <a:rPr lang="en-US" i="1" smtClean="0">
+                            <a:latin typeface="Cambria Math" panose="02040503050406030204" pitchFamily="18" charset="0"/>
+                          </a:rPr>
+                        </m:ctrlPr>
+                      </m:sSubPr>
+                      <m:e>
+                        <m:r>
+                          <a:rPr lang="en-US" b="0" i="1" smtClean="0">
+                            <a:latin typeface="Cambria Math" panose="02040503050406030204" pitchFamily="18" charset="0"/>
+                          </a:rPr>
+                          <m:t>𝑝</m:t>
+                        </m:r>
+                      </m:e>
+                      <m:sub>
+                        <m:r>
+                          <a:rPr lang="en-US" b="0" i="1" smtClean="0">
+                            <a:latin typeface="Cambria Math" panose="02040503050406030204" pitchFamily="18" charset="0"/>
+                          </a:rPr>
+                          <m:t>1</m:t>
+                        </m:r>
+                        <m:r>
+                          <a:rPr lang="en-US" b="0" i="1" smtClean="0">
+                            <a:latin typeface="Cambria Math" panose="02040503050406030204" pitchFamily="18" charset="0"/>
+                          </a:rPr>
+                          <m:t>𝑖</m:t>
+                        </m:r>
+                      </m:sub>
+                    </m:sSub>
+                    <m:r>
+                      <a:rPr lang="en-US" b="0" i="1" smtClean="0">
+                        <a:latin typeface="Cambria Math" panose="02040503050406030204" pitchFamily="18" charset="0"/>
+                      </a:rPr>
+                      <m:t>+</m:t>
+                    </m:r>
+                    <m:sSub>
+                      <m:sSubPr>
+                        <m:ctrlPr>
+                          <a:rPr lang="en-US" b="0" i="1" smtClean="0">
+                            <a:latin typeface="Cambria Math" panose="02040503050406030204" pitchFamily="18" charset="0"/>
+                          </a:rPr>
+                        </m:ctrlPr>
+                      </m:sSubPr>
+                      <m:e>
+                        <m:r>
+                          <a:rPr lang="en-US" b="0" i="1" smtClean="0">
+                            <a:latin typeface="Cambria Math" panose="02040503050406030204" pitchFamily="18" charset="0"/>
+                          </a:rPr>
+                          <m:t>𝑝</m:t>
+                        </m:r>
+                      </m:e>
+                      <m:sub>
+                        <m:r>
+                          <a:rPr lang="en-US" b="0" i="1" smtClean="0">
+                            <a:latin typeface="Cambria Math" panose="02040503050406030204" pitchFamily="18" charset="0"/>
+                          </a:rPr>
+                          <m:t>2</m:t>
+                        </m:r>
+                        <m:r>
+                          <a:rPr lang="en-US" b="0" i="1" smtClean="0">
+                            <a:latin typeface="Cambria Math" panose="02040503050406030204" pitchFamily="18" charset="0"/>
+                          </a:rPr>
+                          <m:t>𝑖</m:t>
+                        </m:r>
+                      </m:sub>
+                    </m:sSub>
+                    <m:r>
+                      <a:rPr lang="en-US" b="0" i="1" smtClean="0">
+                        <a:latin typeface="Cambria Math" panose="02040503050406030204" pitchFamily="18" charset="0"/>
+                      </a:rPr>
+                      <m:t>=</m:t>
+                    </m:r>
+                    <m:sSub>
+                      <m:sSubPr>
+                        <m:ctrlPr>
+                          <a:rPr lang="en-US" b="0" i="1" smtClean="0">
+                            <a:latin typeface="Cambria Math" panose="02040503050406030204" pitchFamily="18" charset="0"/>
+                          </a:rPr>
+                        </m:ctrlPr>
+                      </m:sSubPr>
+                      <m:e>
+                        <m:r>
+                          <a:rPr lang="en-US" b="0" i="1" smtClean="0">
+                            <a:latin typeface="Cambria Math" panose="02040503050406030204" pitchFamily="18" charset="0"/>
+                          </a:rPr>
+                          <m:t>𝑝</m:t>
+                        </m:r>
+                      </m:e>
+                      <m:sub>
+                        <m:r>
+                          <a:rPr lang="en-US" b="0" i="1" smtClean="0">
+                            <a:latin typeface="Cambria Math" panose="02040503050406030204" pitchFamily="18" charset="0"/>
+                          </a:rPr>
+                          <m:t>1</m:t>
+                        </m:r>
+                        <m:r>
+                          <a:rPr lang="en-US" b="0" i="1" smtClean="0">
+                            <a:latin typeface="Cambria Math" panose="02040503050406030204" pitchFamily="18" charset="0"/>
+                          </a:rPr>
+                          <m:t>𝑓</m:t>
+                        </m:r>
+                      </m:sub>
+                    </m:sSub>
+                    <m:r>
+                      <a:rPr lang="en-US" b="0" i="1" smtClean="0">
+                        <a:latin typeface="Cambria Math" panose="02040503050406030204" pitchFamily="18" charset="0"/>
+                      </a:rPr>
+                      <m:t>+</m:t>
+                    </m:r>
+                    <m:sSub>
+                      <m:sSubPr>
+                        <m:ctrlPr>
+                          <a:rPr lang="en-US" b="0" i="1" smtClean="0">
+                            <a:latin typeface="Cambria Math" panose="02040503050406030204" pitchFamily="18" charset="0"/>
+                          </a:rPr>
+                        </m:ctrlPr>
+                      </m:sSubPr>
+                      <m:e>
+                        <m:r>
+                          <a:rPr lang="en-US" b="0" i="1" smtClean="0">
+                            <a:latin typeface="Cambria Math" panose="02040503050406030204" pitchFamily="18" charset="0"/>
+                          </a:rPr>
+                          <m:t>𝑝</m:t>
+                        </m:r>
+                      </m:e>
+                      <m:sub>
+                        <m:r>
+                          <a:rPr lang="en-US" b="0" i="1" smtClean="0">
+                            <a:latin typeface="Cambria Math" panose="02040503050406030204" pitchFamily="18" charset="0"/>
+                          </a:rPr>
+                          <m:t>2</m:t>
+                        </m:r>
+                        <m:r>
+                          <a:rPr lang="en-US" b="0" i="1" smtClean="0">
+                            <a:latin typeface="Cambria Math" panose="02040503050406030204" pitchFamily="18" charset="0"/>
+                          </a:rPr>
+                          <m:t>𝑓</m:t>
+                        </m:r>
+                      </m:sub>
+                    </m:sSub>
+                  </m:oMath>
+                </a14:m>
+                <a:endParaRPr lang="en-US" dirty="0" smtClean="0"/>
+              </a:p>
+              <a:p>
+                <a:r>
+                  <a:rPr lang="en-US" dirty="0" smtClean="0"/>
+                  <a:t>Momentum is a </a:t>
+                </a:r>
+                <a:r>
+                  <a:rPr lang="en-US" b="1" i="1" u="sng" dirty="0" smtClean="0"/>
+                  <a:t>vector</a:t>
+                </a:r>
+                <a:r>
+                  <a:rPr lang="en-US" dirty="0" smtClean="0"/>
+                  <a:t> quantity!</a:t>
+                </a:r>
+              </a:p>
+              <a:p>
                 <a:endParaRPr lang="en-US" dirty="0"/>
               </a:p>
             </p:txBody>
@@ -7219,162 +9872,720 @@
   <p:timing>
     <p:tnLst>
       <p:par>
-        <p:cTn id="1" dur="indefinite" restart="never" nodeType="tmRoot"/>
-      </p:par>
-    </p:tnLst>
-  </p:timing>
-</p:sld>
-</file>
-
-<file path=ppt/slides/slide8.xml><?xml version="1.0" encoding="utf-8"?>
-<p:sld xmlns:a="http://schemas.openxmlformats.org/drawingml/2006/main" xmlns:r="http://schemas.openxmlformats.org/officeDocument/2006/relationships" xmlns:p="http://schemas.openxmlformats.org/presentationml/2006/main">
-  <p:cSld>
-    <p:spTree>
-      <p:nvGrpSpPr>
-        <p:cNvPr id="1" name=""/>
-        <p:cNvGrpSpPr/>
-        <p:nvPr/>
-      </p:nvGrpSpPr>
-      <p:grpSpPr>
-        <a:xfrm>
-          <a:off x="0" y="0"/>
-          <a:ext cx="0" cy="0"/>
-          <a:chOff x="0" y="0"/>
-          <a:chExt cx="0" cy="0"/>
-        </a:xfrm>
-      </p:grpSpPr>
-      <p:sp>
-        <p:nvSpPr>
-          <p:cNvPr id="2" name="Title 1"/>
-          <p:cNvSpPr>
-            <a:spLocks noGrp="1"/>
-          </p:cNvSpPr>
-          <p:nvPr>
-            <p:ph type="title"/>
-          </p:nvPr>
-        </p:nvSpPr>
-        <p:spPr/>
-        <p:txBody>
-          <a:bodyPr/>
-          <a:lstStyle/>
-          <a:p>
-            <a:endParaRPr lang="en-US" dirty="0"/>
-          </a:p>
-        </p:txBody>
-      </p:sp>
-      <mc:AlternateContent xmlns:mc="http://schemas.openxmlformats.org/markup-compatibility/2006">
-        <mc:Choice xmlns:a14="http://schemas.microsoft.com/office/drawing/2010/main" Requires="a14">
-          <p:sp>
-            <p:nvSpPr>
-              <p:cNvPr id="3" name="Content Placeholder 2"/>
-              <p:cNvSpPr>
-                <a:spLocks noGrp="1"/>
-              </p:cNvSpPr>
-              <p:nvPr>
-                <p:ph idx="1"/>
-              </p:nvPr>
-            </p:nvSpPr>
-            <p:spPr/>
-            <p:txBody>
-              <a:bodyPr/>
-              <a:lstStyle/>
-              <a:p>
-                <a:r>
-                  <a:rPr lang="en-US" dirty="0" smtClean="0"/>
-                  <a:t>Two small cars with a mass of 250 g and 500 g connected with a spring. We push them apart by the spring and the lighter car’s velocity will be </a:t>
-                </a:r>
-                <a14:m>
-                  <m:oMath xmlns:m="http://schemas.openxmlformats.org/officeDocument/2006/math">
-                    <m:r>
-                      <a:rPr lang="en-US" b="0" i="1" smtClean="0">
-                        <a:latin typeface="Cambria Math" panose="02040503050406030204" pitchFamily="18" charset="0"/>
-                      </a:rPr>
-                      <m:t>1</m:t>
-                    </m:r>
-                    <m:f>
-                      <m:fPr>
-                        <m:ctrlPr>
-                          <a:rPr lang="en-US" b="0" i="1" smtClean="0">
-                            <a:latin typeface="Cambria Math" panose="02040503050406030204" pitchFamily="18" charset="0"/>
-                          </a:rPr>
-                        </m:ctrlPr>
-                      </m:fPr>
-                      <m:num>
-                        <m:r>
-                          <a:rPr lang="en-US" b="0" i="1" smtClean="0">
-                            <a:latin typeface="Cambria Math" panose="02040503050406030204" pitchFamily="18" charset="0"/>
-                          </a:rPr>
-                          <m:t>𝑚</m:t>
-                        </m:r>
-                      </m:num>
-                      <m:den>
-                        <m:r>
-                          <a:rPr lang="en-US" b="0" i="1" smtClean="0">
-                            <a:latin typeface="Cambria Math" panose="02040503050406030204" pitchFamily="18" charset="0"/>
-                          </a:rPr>
-                          <m:t>𝑠</m:t>
-                        </m:r>
-                      </m:den>
-                    </m:f>
-                  </m:oMath>
-                </a14:m>
-                <a:r>
-                  <a:rPr lang="en-US" dirty="0" smtClean="0"/>
-                  <a:t>. Find the velocity of the other car.</a:t>
-                </a:r>
-                <a:endParaRPr lang="en-US" dirty="0"/>
-              </a:p>
-            </p:txBody>
-          </p:sp>
-        </mc:Choice>
-        <mc:Fallback>
-          <p:sp>
-            <p:nvSpPr>
-              <p:cNvPr id="3" name="Content Placeholder 2"/>
-              <p:cNvSpPr>
-                <a:spLocks noGrp="1" noRot="1" noChangeAspect="1" noMove="1" noResize="1" noEditPoints="1" noAdjustHandles="1" noChangeArrowheads="1" noChangeShapeType="1" noTextEdit="1"/>
-              </p:cNvSpPr>
-              <p:nvPr>
-                <p:ph idx="1"/>
-              </p:nvPr>
-            </p:nvSpPr>
-            <p:spPr>
-              <a:blipFill>
-                <a:blip r:embed="rId2"/>
-                <a:stretch>
-                  <a:fillRect l="-1043" t="-2241"/>
-                </a:stretch>
-              </a:blipFill>
-            </p:spPr>
-            <p:txBody>
-              <a:bodyPr/>
-              <a:lstStyle/>
-              <a:p>
-                <a:r>
-                  <a:rPr lang="en-US">
-                    <a:noFill/>
-                  </a:rPr>
-                  <a:t> </a:t>
-                </a:r>
-              </a:p>
-            </p:txBody>
-          </p:sp>
-        </mc:Fallback>
-      </mc:AlternateContent>
-    </p:spTree>
-    <p:extLst>
-      <p:ext uri="{BB962C8B-B14F-4D97-AF65-F5344CB8AC3E}">
-        <p14:creationId xmlns:p14="http://schemas.microsoft.com/office/powerpoint/2010/main" val="2907059100"/>
-      </p:ext>
-    </p:extLst>
-  </p:cSld>
-  <p:clrMapOvr>
-    <a:masterClrMapping/>
-  </p:clrMapOvr>
-  <p:timing>
-    <p:tnLst>
-      <p:par>
-        <p:cTn id="1" dur="indefinite" restart="never" nodeType="tmRoot"/>
+        <p:cTn id="1" dur="indefinite" restart="never" nodeType="tmRoot">
+          <p:childTnLst>
+            <p:seq concurrent="1" nextAc="seek">
+              <p:cTn id="2" dur="indefinite" nodeType="mainSeq">
+                <p:childTnLst>
+                  <p:par>
+                    <p:cTn id="3" fill="hold">
+                      <p:stCondLst>
+                        <p:cond delay="indefinite"/>
+                      </p:stCondLst>
+                      <p:childTnLst>
+                        <p:par>
+                          <p:cTn id="4" fill="hold">
+                            <p:stCondLst>
+                              <p:cond delay="0"/>
+                            </p:stCondLst>
+                            <p:childTnLst>
+                              <p:par>
+                                <p:cTn id="5" presetID="42" presetClass="entr" presetSubtype="0" fill="hold" nodeType="clickEffect">
+                                  <p:stCondLst>
+                                    <p:cond delay="0"/>
+                                  </p:stCondLst>
+                                  <p:childTnLst>
+                                    <p:set>
+                                      <p:cBhvr>
+                                        <p:cTn id="6" dur="1" fill="hold">
+                                          <p:stCondLst>
+                                            <p:cond delay="0"/>
+                                          </p:stCondLst>
+                                        </p:cTn>
+                                        <p:tgtEl>
+                                          <p:spTgt spid="3">
+                                            <p:txEl>
+                                              <p:pRg st="0" end="0"/>
+                                            </p:txEl>
+                                          </p:spTgt>
+                                        </p:tgtEl>
+                                        <p:attrNameLst>
+                                          <p:attrName>style.visibility</p:attrName>
+                                        </p:attrNameLst>
+                                      </p:cBhvr>
+                                      <p:to>
+                                        <p:strVal val="visible"/>
+                                      </p:to>
+                                    </p:set>
+                                    <p:animEffect transition="in" filter="fade">
+                                      <p:cBhvr>
+                                        <p:cTn id="7" dur="1000"/>
+                                        <p:tgtEl>
+                                          <p:spTgt spid="3">
+                                            <p:txEl>
+                                              <p:pRg st="0" end="0"/>
+                                            </p:txEl>
+                                          </p:spTgt>
+                                        </p:tgtEl>
+                                      </p:cBhvr>
+                                    </p:animEffect>
+                                    <p:anim calcmode="lin" valueType="num">
+                                      <p:cBhvr>
+                                        <p:cTn id="8" dur="1000" fill="hold"/>
+                                        <p:tgtEl>
+                                          <p:spTgt spid="3">
+                                            <p:txEl>
+                                              <p:pRg st="0" end="0"/>
+                                            </p:txEl>
+                                          </p:spTgt>
+                                        </p:tgtEl>
+                                        <p:attrNameLst>
+                                          <p:attrName>ppt_x</p:attrName>
+                                        </p:attrNameLst>
+                                      </p:cBhvr>
+                                      <p:tavLst>
+                                        <p:tav tm="0">
+                                          <p:val>
+                                            <p:strVal val="#ppt_x"/>
+                                          </p:val>
+                                        </p:tav>
+                                        <p:tav tm="100000">
+                                          <p:val>
+                                            <p:strVal val="#ppt_x"/>
+                                          </p:val>
+                                        </p:tav>
+                                      </p:tavLst>
+                                    </p:anim>
+                                    <p:anim calcmode="lin" valueType="num">
+                                      <p:cBhvr>
+                                        <p:cTn id="9" dur="1000" fill="hold"/>
+                                        <p:tgtEl>
+                                          <p:spTgt spid="3">
+                                            <p:txEl>
+                                              <p:pRg st="0" end="0"/>
+                                            </p:txEl>
+                                          </p:spTgt>
+                                        </p:tgtEl>
+                                        <p:attrNameLst>
+                                          <p:attrName>ppt_y</p:attrName>
+                                        </p:attrNameLst>
+                                      </p:cBhvr>
+                                      <p:tavLst>
+                                        <p:tav tm="0">
+                                          <p:val>
+                                            <p:strVal val="#ppt_y+.1"/>
+                                          </p:val>
+                                        </p:tav>
+                                        <p:tav tm="100000">
+                                          <p:val>
+                                            <p:strVal val="#ppt_y"/>
+                                          </p:val>
+                                        </p:tav>
+                                      </p:tavLst>
+                                    </p:anim>
+                                  </p:childTnLst>
+                                </p:cTn>
+                              </p:par>
+                            </p:childTnLst>
+                          </p:cTn>
+                        </p:par>
+                      </p:childTnLst>
+                    </p:cTn>
+                  </p:par>
+                  <p:par>
+                    <p:cTn id="10" fill="hold">
+                      <p:stCondLst>
+                        <p:cond delay="indefinite"/>
+                      </p:stCondLst>
+                      <p:childTnLst>
+                        <p:par>
+                          <p:cTn id="11" fill="hold">
+                            <p:stCondLst>
+                              <p:cond delay="0"/>
+                            </p:stCondLst>
+                            <p:childTnLst>
+                              <p:par>
+                                <p:cTn id="12" presetID="42" presetClass="entr" presetSubtype="0" fill="hold" nodeType="clickEffect">
+                                  <p:stCondLst>
+                                    <p:cond delay="0"/>
+                                  </p:stCondLst>
+                                  <p:childTnLst>
+                                    <p:set>
+                                      <p:cBhvr>
+                                        <p:cTn id="13" dur="1" fill="hold">
+                                          <p:stCondLst>
+                                            <p:cond delay="0"/>
+                                          </p:stCondLst>
+                                        </p:cTn>
+                                        <p:tgtEl>
+                                          <p:spTgt spid="3">
+                                            <p:txEl>
+                                              <p:pRg st="1" end="1"/>
+                                            </p:txEl>
+                                          </p:spTgt>
+                                        </p:tgtEl>
+                                        <p:attrNameLst>
+                                          <p:attrName>style.visibility</p:attrName>
+                                        </p:attrNameLst>
+                                      </p:cBhvr>
+                                      <p:to>
+                                        <p:strVal val="visible"/>
+                                      </p:to>
+                                    </p:set>
+                                    <p:animEffect transition="in" filter="fade">
+                                      <p:cBhvr>
+                                        <p:cTn id="14" dur="1000"/>
+                                        <p:tgtEl>
+                                          <p:spTgt spid="3">
+                                            <p:txEl>
+                                              <p:pRg st="1" end="1"/>
+                                            </p:txEl>
+                                          </p:spTgt>
+                                        </p:tgtEl>
+                                      </p:cBhvr>
+                                    </p:animEffect>
+                                    <p:anim calcmode="lin" valueType="num">
+                                      <p:cBhvr>
+                                        <p:cTn id="15" dur="1000" fill="hold"/>
+                                        <p:tgtEl>
+                                          <p:spTgt spid="3">
+                                            <p:txEl>
+                                              <p:pRg st="1" end="1"/>
+                                            </p:txEl>
+                                          </p:spTgt>
+                                        </p:tgtEl>
+                                        <p:attrNameLst>
+                                          <p:attrName>ppt_x</p:attrName>
+                                        </p:attrNameLst>
+                                      </p:cBhvr>
+                                      <p:tavLst>
+                                        <p:tav tm="0">
+                                          <p:val>
+                                            <p:strVal val="#ppt_x"/>
+                                          </p:val>
+                                        </p:tav>
+                                        <p:tav tm="100000">
+                                          <p:val>
+                                            <p:strVal val="#ppt_x"/>
+                                          </p:val>
+                                        </p:tav>
+                                      </p:tavLst>
+                                    </p:anim>
+                                    <p:anim calcmode="lin" valueType="num">
+                                      <p:cBhvr>
+                                        <p:cTn id="16" dur="1000" fill="hold"/>
+                                        <p:tgtEl>
+                                          <p:spTgt spid="3">
+                                            <p:txEl>
+                                              <p:pRg st="1" end="1"/>
+                                            </p:txEl>
+                                          </p:spTgt>
+                                        </p:tgtEl>
+                                        <p:attrNameLst>
+                                          <p:attrName>ppt_y</p:attrName>
+                                        </p:attrNameLst>
+                                      </p:cBhvr>
+                                      <p:tavLst>
+                                        <p:tav tm="0">
+                                          <p:val>
+                                            <p:strVal val="#ppt_y+.1"/>
+                                          </p:val>
+                                        </p:tav>
+                                        <p:tav tm="100000">
+                                          <p:val>
+                                            <p:strVal val="#ppt_y"/>
+                                          </p:val>
+                                        </p:tav>
+                                      </p:tavLst>
+                                    </p:anim>
+                                  </p:childTnLst>
+                                </p:cTn>
+                              </p:par>
+                            </p:childTnLst>
+                          </p:cTn>
+                        </p:par>
+                      </p:childTnLst>
+                    </p:cTn>
+                  </p:par>
+                  <p:par>
+                    <p:cTn id="17" fill="hold">
+                      <p:stCondLst>
+                        <p:cond delay="indefinite"/>
+                      </p:stCondLst>
+                      <p:childTnLst>
+                        <p:par>
+                          <p:cTn id="18" fill="hold">
+                            <p:stCondLst>
+                              <p:cond delay="0"/>
+                            </p:stCondLst>
+                            <p:childTnLst>
+                              <p:par>
+                                <p:cTn id="19" presetID="42" presetClass="entr" presetSubtype="0" fill="hold" nodeType="clickEffect">
+                                  <p:stCondLst>
+                                    <p:cond delay="0"/>
+                                  </p:stCondLst>
+                                  <p:childTnLst>
+                                    <p:set>
+                                      <p:cBhvr>
+                                        <p:cTn id="20" dur="1" fill="hold">
+                                          <p:stCondLst>
+                                            <p:cond delay="0"/>
+                                          </p:stCondLst>
+                                        </p:cTn>
+                                        <p:tgtEl>
+                                          <p:spTgt spid="3">
+                                            <p:txEl>
+                                              <p:pRg st="2" end="2"/>
+                                            </p:txEl>
+                                          </p:spTgt>
+                                        </p:tgtEl>
+                                        <p:attrNameLst>
+                                          <p:attrName>style.visibility</p:attrName>
+                                        </p:attrNameLst>
+                                      </p:cBhvr>
+                                      <p:to>
+                                        <p:strVal val="visible"/>
+                                      </p:to>
+                                    </p:set>
+                                    <p:animEffect transition="in" filter="fade">
+                                      <p:cBhvr>
+                                        <p:cTn id="21" dur="1000"/>
+                                        <p:tgtEl>
+                                          <p:spTgt spid="3">
+                                            <p:txEl>
+                                              <p:pRg st="2" end="2"/>
+                                            </p:txEl>
+                                          </p:spTgt>
+                                        </p:tgtEl>
+                                      </p:cBhvr>
+                                    </p:animEffect>
+                                    <p:anim calcmode="lin" valueType="num">
+                                      <p:cBhvr>
+                                        <p:cTn id="22" dur="1000" fill="hold"/>
+                                        <p:tgtEl>
+                                          <p:spTgt spid="3">
+                                            <p:txEl>
+                                              <p:pRg st="2" end="2"/>
+                                            </p:txEl>
+                                          </p:spTgt>
+                                        </p:tgtEl>
+                                        <p:attrNameLst>
+                                          <p:attrName>ppt_x</p:attrName>
+                                        </p:attrNameLst>
+                                      </p:cBhvr>
+                                      <p:tavLst>
+                                        <p:tav tm="0">
+                                          <p:val>
+                                            <p:strVal val="#ppt_x"/>
+                                          </p:val>
+                                        </p:tav>
+                                        <p:tav tm="100000">
+                                          <p:val>
+                                            <p:strVal val="#ppt_x"/>
+                                          </p:val>
+                                        </p:tav>
+                                      </p:tavLst>
+                                    </p:anim>
+                                    <p:anim calcmode="lin" valueType="num">
+                                      <p:cBhvr>
+                                        <p:cTn id="23" dur="1000" fill="hold"/>
+                                        <p:tgtEl>
+                                          <p:spTgt spid="3">
+                                            <p:txEl>
+                                              <p:pRg st="2" end="2"/>
+                                            </p:txEl>
+                                          </p:spTgt>
+                                        </p:tgtEl>
+                                        <p:attrNameLst>
+                                          <p:attrName>ppt_y</p:attrName>
+                                        </p:attrNameLst>
+                                      </p:cBhvr>
+                                      <p:tavLst>
+                                        <p:tav tm="0">
+                                          <p:val>
+                                            <p:strVal val="#ppt_y+.1"/>
+                                          </p:val>
+                                        </p:tav>
+                                        <p:tav tm="100000">
+                                          <p:val>
+                                            <p:strVal val="#ppt_y"/>
+                                          </p:val>
+                                        </p:tav>
+                                      </p:tavLst>
+                                    </p:anim>
+                                  </p:childTnLst>
+                                </p:cTn>
+                              </p:par>
+                            </p:childTnLst>
+                          </p:cTn>
+                        </p:par>
+                      </p:childTnLst>
+                    </p:cTn>
+                  </p:par>
+                  <p:par>
+                    <p:cTn id="24" fill="hold">
+                      <p:stCondLst>
+                        <p:cond delay="indefinite"/>
+                      </p:stCondLst>
+                      <p:childTnLst>
+                        <p:par>
+                          <p:cTn id="25" fill="hold">
+                            <p:stCondLst>
+                              <p:cond delay="0"/>
+                            </p:stCondLst>
+                            <p:childTnLst>
+                              <p:par>
+                                <p:cTn id="26" presetID="42" presetClass="entr" presetSubtype="0" fill="hold" nodeType="clickEffect">
+                                  <p:stCondLst>
+                                    <p:cond delay="0"/>
+                                  </p:stCondLst>
+                                  <p:childTnLst>
+                                    <p:set>
+                                      <p:cBhvr>
+                                        <p:cTn id="27" dur="1" fill="hold">
+                                          <p:stCondLst>
+                                            <p:cond delay="0"/>
+                                          </p:stCondLst>
+                                        </p:cTn>
+                                        <p:tgtEl>
+                                          <p:spTgt spid="3">
+                                            <p:txEl>
+                                              <p:pRg st="3" end="3"/>
+                                            </p:txEl>
+                                          </p:spTgt>
+                                        </p:tgtEl>
+                                        <p:attrNameLst>
+                                          <p:attrName>style.visibility</p:attrName>
+                                        </p:attrNameLst>
+                                      </p:cBhvr>
+                                      <p:to>
+                                        <p:strVal val="visible"/>
+                                      </p:to>
+                                    </p:set>
+                                    <p:animEffect transition="in" filter="fade">
+                                      <p:cBhvr>
+                                        <p:cTn id="28" dur="1000"/>
+                                        <p:tgtEl>
+                                          <p:spTgt spid="3">
+                                            <p:txEl>
+                                              <p:pRg st="3" end="3"/>
+                                            </p:txEl>
+                                          </p:spTgt>
+                                        </p:tgtEl>
+                                      </p:cBhvr>
+                                    </p:animEffect>
+                                    <p:anim calcmode="lin" valueType="num">
+                                      <p:cBhvr>
+                                        <p:cTn id="29" dur="1000" fill="hold"/>
+                                        <p:tgtEl>
+                                          <p:spTgt spid="3">
+                                            <p:txEl>
+                                              <p:pRg st="3" end="3"/>
+                                            </p:txEl>
+                                          </p:spTgt>
+                                        </p:tgtEl>
+                                        <p:attrNameLst>
+                                          <p:attrName>ppt_x</p:attrName>
+                                        </p:attrNameLst>
+                                      </p:cBhvr>
+                                      <p:tavLst>
+                                        <p:tav tm="0">
+                                          <p:val>
+                                            <p:strVal val="#ppt_x"/>
+                                          </p:val>
+                                        </p:tav>
+                                        <p:tav tm="100000">
+                                          <p:val>
+                                            <p:strVal val="#ppt_x"/>
+                                          </p:val>
+                                        </p:tav>
+                                      </p:tavLst>
+                                    </p:anim>
+                                    <p:anim calcmode="lin" valueType="num">
+                                      <p:cBhvr>
+                                        <p:cTn id="30" dur="1000" fill="hold"/>
+                                        <p:tgtEl>
+                                          <p:spTgt spid="3">
+                                            <p:txEl>
+                                              <p:pRg st="3" end="3"/>
+                                            </p:txEl>
+                                          </p:spTgt>
+                                        </p:tgtEl>
+                                        <p:attrNameLst>
+                                          <p:attrName>ppt_y</p:attrName>
+                                        </p:attrNameLst>
+                                      </p:cBhvr>
+                                      <p:tavLst>
+                                        <p:tav tm="0">
+                                          <p:val>
+                                            <p:strVal val="#ppt_y+.1"/>
+                                          </p:val>
+                                        </p:tav>
+                                        <p:tav tm="100000">
+                                          <p:val>
+                                            <p:strVal val="#ppt_y"/>
+                                          </p:val>
+                                        </p:tav>
+                                      </p:tavLst>
+                                    </p:anim>
+                                  </p:childTnLst>
+                                </p:cTn>
+                              </p:par>
+                            </p:childTnLst>
+                          </p:cTn>
+                        </p:par>
+                      </p:childTnLst>
+                    </p:cTn>
+                  </p:par>
+                  <p:par>
+                    <p:cTn id="31" fill="hold">
+                      <p:stCondLst>
+                        <p:cond delay="indefinite"/>
+                      </p:stCondLst>
+                      <p:childTnLst>
+                        <p:par>
+                          <p:cTn id="32" fill="hold">
+                            <p:stCondLst>
+                              <p:cond delay="0"/>
+                            </p:stCondLst>
+                            <p:childTnLst>
+                              <p:par>
+                                <p:cTn id="33" presetID="42" presetClass="entr" presetSubtype="0" fill="hold" nodeType="clickEffect">
+                                  <p:stCondLst>
+                                    <p:cond delay="0"/>
+                                  </p:stCondLst>
+                                  <p:childTnLst>
+                                    <p:set>
+                                      <p:cBhvr>
+                                        <p:cTn id="34" dur="1" fill="hold">
+                                          <p:stCondLst>
+                                            <p:cond delay="0"/>
+                                          </p:stCondLst>
+                                        </p:cTn>
+                                        <p:tgtEl>
+                                          <p:spTgt spid="3">
+                                            <p:txEl>
+                                              <p:pRg st="4" end="4"/>
+                                            </p:txEl>
+                                          </p:spTgt>
+                                        </p:tgtEl>
+                                        <p:attrNameLst>
+                                          <p:attrName>style.visibility</p:attrName>
+                                        </p:attrNameLst>
+                                      </p:cBhvr>
+                                      <p:to>
+                                        <p:strVal val="visible"/>
+                                      </p:to>
+                                    </p:set>
+                                    <p:animEffect transition="in" filter="fade">
+                                      <p:cBhvr>
+                                        <p:cTn id="35" dur="1000"/>
+                                        <p:tgtEl>
+                                          <p:spTgt spid="3">
+                                            <p:txEl>
+                                              <p:pRg st="4" end="4"/>
+                                            </p:txEl>
+                                          </p:spTgt>
+                                        </p:tgtEl>
+                                      </p:cBhvr>
+                                    </p:animEffect>
+                                    <p:anim calcmode="lin" valueType="num">
+                                      <p:cBhvr>
+                                        <p:cTn id="36" dur="1000" fill="hold"/>
+                                        <p:tgtEl>
+                                          <p:spTgt spid="3">
+                                            <p:txEl>
+                                              <p:pRg st="4" end="4"/>
+                                            </p:txEl>
+                                          </p:spTgt>
+                                        </p:tgtEl>
+                                        <p:attrNameLst>
+                                          <p:attrName>ppt_x</p:attrName>
+                                        </p:attrNameLst>
+                                      </p:cBhvr>
+                                      <p:tavLst>
+                                        <p:tav tm="0">
+                                          <p:val>
+                                            <p:strVal val="#ppt_x"/>
+                                          </p:val>
+                                        </p:tav>
+                                        <p:tav tm="100000">
+                                          <p:val>
+                                            <p:strVal val="#ppt_x"/>
+                                          </p:val>
+                                        </p:tav>
+                                      </p:tavLst>
+                                    </p:anim>
+                                    <p:anim calcmode="lin" valueType="num">
+                                      <p:cBhvr>
+                                        <p:cTn id="37" dur="1000" fill="hold"/>
+                                        <p:tgtEl>
+                                          <p:spTgt spid="3">
+                                            <p:txEl>
+                                              <p:pRg st="4" end="4"/>
+                                            </p:txEl>
+                                          </p:spTgt>
+                                        </p:tgtEl>
+                                        <p:attrNameLst>
+                                          <p:attrName>ppt_y</p:attrName>
+                                        </p:attrNameLst>
+                                      </p:cBhvr>
+                                      <p:tavLst>
+                                        <p:tav tm="0">
+                                          <p:val>
+                                            <p:strVal val="#ppt_y+.1"/>
+                                          </p:val>
+                                        </p:tav>
+                                        <p:tav tm="100000">
+                                          <p:val>
+                                            <p:strVal val="#ppt_y"/>
+                                          </p:val>
+                                        </p:tav>
+                                      </p:tavLst>
+                                    </p:anim>
+                                  </p:childTnLst>
+                                </p:cTn>
+                              </p:par>
+                            </p:childTnLst>
+                          </p:cTn>
+                        </p:par>
+                      </p:childTnLst>
+                    </p:cTn>
+                  </p:par>
+                  <p:par>
+                    <p:cTn id="38" fill="hold">
+                      <p:stCondLst>
+                        <p:cond delay="indefinite"/>
+                      </p:stCondLst>
+                      <p:childTnLst>
+                        <p:par>
+                          <p:cTn id="39" fill="hold">
+                            <p:stCondLst>
+                              <p:cond delay="0"/>
+                            </p:stCondLst>
+                            <p:childTnLst>
+                              <p:par>
+                                <p:cTn id="40" presetID="42" presetClass="entr" presetSubtype="0" fill="hold" nodeType="clickEffect">
+                                  <p:stCondLst>
+                                    <p:cond delay="0"/>
+                                  </p:stCondLst>
+                                  <p:childTnLst>
+                                    <p:set>
+                                      <p:cBhvr>
+                                        <p:cTn id="41" dur="1" fill="hold">
+                                          <p:stCondLst>
+                                            <p:cond delay="0"/>
+                                          </p:stCondLst>
+                                        </p:cTn>
+                                        <p:tgtEl>
+                                          <p:spTgt spid="3">
+                                            <p:txEl>
+                                              <p:pRg st="5" end="5"/>
+                                            </p:txEl>
+                                          </p:spTgt>
+                                        </p:tgtEl>
+                                        <p:attrNameLst>
+                                          <p:attrName>style.visibility</p:attrName>
+                                        </p:attrNameLst>
+                                      </p:cBhvr>
+                                      <p:to>
+                                        <p:strVal val="visible"/>
+                                      </p:to>
+                                    </p:set>
+                                    <p:animEffect transition="in" filter="fade">
+                                      <p:cBhvr>
+                                        <p:cTn id="42" dur="1000"/>
+                                        <p:tgtEl>
+                                          <p:spTgt spid="3">
+                                            <p:txEl>
+                                              <p:pRg st="5" end="5"/>
+                                            </p:txEl>
+                                          </p:spTgt>
+                                        </p:tgtEl>
+                                      </p:cBhvr>
+                                    </p:animEffect>
+                                    <p:anim calcmode="lin" valueType="num">
+                                      <p:cBhvr>
+                                        <p:cTn id="43" dur="1000" fill="hold"/>
+                                        <p:tgtEl>
+                                          <p:spTgt spid="3">
+                                            <p:txEl>
+                                              <p:pRg st="5" end="5"/>
+                                            </p:txEl>
+                                          </p:spTgt>
+                                        </p:tgtEl>
+                                        <p:attrNameLst>
+                                          <p:attrName>ppt_x</p:attrName>
+                                        </p:attrNameLst>
+                                      </p:cBhvr>
+                                      <p:tavLst>
+                                        <p:tav tm="0">
+                                          <p:val>
+                                            <p:strVal val="#ppt_x"/>
+                                          </p:val>
+                                        </p:tav>
+                                        <p:tav tm="100000">
+                                          <p:val>
+                                            <p:strVal val="#ppt_x"/>
+                                          </p:val>
+                                        </p:tav>
+                                      </p:tavLst>
+                                    </p:anim>
+                                    <p:anim calcmode="lin" valueType="num">
+                                      <p:cBhvr>
+                                        <p:cTn id="44" dur="1000" fill="hold"/>
+                                        <p:tgtEl>
+                                          <p:spTgt spid="3">
+                                            <p:txEl>
+                                              <p:pRg st="5" end="5"/>
+                                            </p:txEl>
+                                          </p:spTgt>
+                                        </p:tgtEl>
+                                        <p:attrNameLst>
+                                          <p:attrName>ppt_y</p:attrName>
+                                        </p:attrNameLst>
+                                      </p:cBhvr>
+                                      <p:tavLst>
+                                        <p:tav tm="0">
+                                          <p:val>
+                                            <p:strVal val="#ppt_y+.1"/>
+                                          </p:val>
+                                        </p:tav>
+                                        <p:tav tm="100000">
+                                          <p:val>
+                                            <p:strVal val="#ppt_y"/>
+                                          </p:val>
+                                        </p:tav>
+                                      </p:tavLst>
+                                    </p:anim>
+                                  </p:childTnLst>
+                                </p:cTn>
+                              </p:par>
+                            </p:childTnLst>
+                          </p:cTn>
+                        </p:par>
+                      </p:childTnLst>
+                    </p:cTn>
+                  </p:par>
+                </p:childTnLst>
+              </p:cTn>
+              <p:prevCondLst>
+                <p:cond evt="onPrev" delay="0">
+                  <p:tgtEl>
+                    <p:sldTgt/>
+                  </p:tgtEl>
+                </p:cond>
+              </p:prevCondLst>
+              <p:nextCondLst>
+                <p:cond evt="onNext" delay="0">
+                  <p:tgtEl>
+                    <p:sldTgt/>
+                  </p:tgtEl>
+                </p:cond>
+              </p:nextCondLst>
+            </p:seq>
+          </p:childTnLst>
+        </p:cTn>
       </p:par>
     </p:tnLst>
   </p:timing>

--- a/classes/Physics9ab/downloads/Momentum.pptx
+++ b/classes/Physics9ab/downloads/Momentum.pptx
@@ -19,6 +19,8 @@
     <p:sldId id="263" r:id="rId13"/>
     <p:sldId id="268" r:id="rId14"/>
     <p:sldId id="269" r:id="rId15"/>
+    <p:sldId id="271" r:id="rId16"/>
+    <p:sldId id="270" r:id="rId17"/>
   </p:sldIdLst>
   <p:sldSz cx="12192000" cy="6858000"/>
   <p:notesSz cx="6858000" cy="9144000"/>
@@ -117,6 +119,11 @@
       </a:defRPr>
     </a:lvl9pPr>
   </p:defaultTextStyle>
+  <p:extLst>
+    <p:ext uri="{EFAFB233-063F-42B5-8137-9DF3F51BA10A}">
+      <p15:sldGuideLst xmlns:p15="http://schemas.microsoft.com/office/powerpoint/2012/main"/>
+    </p:ext>
+  </p:extLst>
 </p:presentation>
 </file>
 
@@ -251,7 +258,7 @@
           <a:p>
             <a:fld id="{2B0D2168-DF05-416C-83D8-7FD834CA6BB3}" type="datetimeFigureOut">
               <a:rPr lang="en-US" smtClean="0"/>
-              <a:t>1/3/2018</a:t>
+              <a:t>1/9/2018</a:t>
             </a:fld>
             <a:endParaRPr lang="en-US"/>
           </a:p>
@@ -421,7 +428,7 @@
           <a:p>
             <a:fld id="{2B0D2168-DF05-416C-83D8-7FD834CA6BB3}" type="datetimeFigureOut">
               <a:rPr lang="en-US" smtClean="0"/>
-              <a:t>1/3/2018</a:t>
+              <a:t>1/9/2018</a:t>
             </a:fld>
             <a:endParaRPr lang="en-US"/>
           </a:p>
@@ -601,7 +608,7 @@
           <a:p>
             <a:fld id="{2B0D2168-DF05-416C-83D8-7FD834CA6BB3}" type="datetimeFigureOut">
               <a:rPr lang="en-US" smtClean="0"/>
-              <a:t>1/3/2018</a:t>
+              <a:t>1/9/2018</a:t>
             </a:fld>
             <a:endParaRPr lang="en-US"/>
           </a:p>
@@ -771,7 +778,7 @@
           <a:p>
             <a:fld id="{2B0D2168-DF05-416C-83D8-7FD834CA6BB3}" type="datetimeFigureOut">
               <a:rPr lang="en-US" smtClean="0"/>
-              <a:t>1/3/2018</a:t>
+              <a:t>1/9/2018</a:t>
             </a:fld>
             <a:endParaRPr lang="en-US"/>
           </a:p>
@@ -1017,7 +1024,7 @@
           <a:p>
             <a:fld id="{2B0D2168-DF05-416C-83D8-7FD834CA6BB3}" type="datetimeFigureOut">
               <a:rPr lang="en-US" smtClean="0"/>
-              <a:t>1/3/2018</a:t>
+              <a:t>1/9/2018</a:t>
             </a:fld>
             <a:endParaRPr lang="en-US"/>
           </a:p>
@@ -1249,7 +1256,7 @@
           <a:p>
             <a:fld id="{2B0D2168-DF05-416C-83D8-7FD834CA6BB3}" type="datetimeFigureOut">
               <a:rPr lang="en-US" smtClean="0"/>
-              <a:t>1/3/2018</a:t>
+              <a:t>1/9/2018</a:t>
             </a:fld>
             <a:endParaRPr lang="en-US"/>
           </a:p>
@@ -1616,7 +1623,7 @@
           <a:p>
             <a:fld id="{2B0D2168-DF05-416C-83D8-7FD834CA6BB3}" type="datetimeFigureOut">
               <a:rPr lang="en-US" smtClean="0"/>
-              <a:t>1/3/2018</a:t>
+              <a:t>1/9/2018</a:t>
             </a:fld>
             <a:endParaRPr lang="en-US"/>
           </a:p>
@@ -1734,7 +1741,7 @@
           <a:p>
             <a:fld id="{2B0D2168-DF05-416C-83D8-7FD834CA6BB3}" type="datetimeFigureOut">
               <a:rPr lang="en-US" smtClean="0"/>
-              <a:t>1/3/2018</a:t>
+              <a:t>1/9/2018</a:t>
             </a:fld>
             <a:endParaRPr lang="en-US"/>
           </a:p>
@@ -1829,7 +1836,7 @@
           <a:p>
             <a:fld id="{2B0D2168-DF05-416C-83D8-7FD834CA6BB3}" type="datetimeFigureOut">
               <a:rPr lang="en-US" smtClean="0"/>
-              <a:t>1/3/2018</a:t>
+              <a:t>1/9/2018</a:t>
             </a:fld>
             <a:endParaRPr lang="en-US"/>
           </a:p>
@@ -2106,7 +2113,7 @@
           <a:p>
             <a:fld id="{2B0D2168-DF05-416C-83D8-7FD834CA6BB3}" type="datetimeFigureOut">
               <a:rPr lang="en-US" smtClean="0"/>
-              <a:t>1/3/2018</a:t>
+              <a:t>1/9/2018</a:t>
             </a:fld>
             <a:endParaRPr lang="en-US"/>
           </a:p>
@@ -2359,7 +2366,7 @@
           <a:p>
             <a:fld id="{2B0D2168-DF05-416C-83D8-7FD834CA6BB3}" type="datetimeFigureOut">
               <a:rPr lang="en-US" smtClean="0"/>
-              <a:t>1/3/2018</a:t>
+              <a:t>1/9/2018</a:t>
             </a:fld>
             <a:endParaRPr lang="en-US"/>
           </a:p>
@@ -2572,7 +2579,7 @@
           <a:p>
             <a:fld id="{2B0D2168-DF05-416C-83D8-7FD834CA6BB3}" type="datetimeFigureOut">
               <a:rPr lang="en-US" smtClean="0"/>
-              <a:t>1/3/2018</a:t>
+              <a:t>1/9/2018</a:t>
             </a:fld>
             <a:endParaRPr lang="en-US"/>
           </a:p>
@@ -3611,8 +3618,8 @@
           </a:p>
         </p:txBody>
       </p:sp>
-      <mc:AlternateContent xmlns:mc="http://schemas.openxmlformats.org/markup-compatibility/2006">
-        <mc:Choice xmlns:a14="http://schemas.microsoft.com/office/drawing/2010/main" Requires="a14">
+      <mc:AlternateContent xmlns:mc="http://schemas.openxmlformats.org/markup-compatibility/2006" xmlns:a14="http://schemas.microsoft.com/office/drawing/2010/main">
+        <mc:Choice Requires="a14">
           <p:sp>
             <p:nvSpPr>
               <p:cNvPr id="3" name="Content Placeholder 2"/>
@@ -3676,7 +3683,7 @@
             </p:txBody>
           </p:sp>
         </mc:Choice>
-        <mc:Fallback>
+        <mc:Fallback xmlns="">
           <p:sp>
             <p:nvSpPr>
               <p:cNvPr id="3" name="Content Placeholder 2"/>
@@ -3931,6 +3938,937 @@
 </p:sld>
 </file>
 
+<file path=ppt/slides/slide15.xml><?xml version="1.0" encoding="utf-8"?>
+<p:sld xmlns:a="http://schemas.openxmlformats.org/drawingml/2006/main" xmlns:r="http://schemas.openxmlformats.org/officeDocument/2006/relationships" xmlns:p="http://schemas.openxmlformats.org/presentationml/2006/main">
+  <p:cSld>
+    <p:spTree>
+      <p:nvGrpSpPr>
+        <p:cNvPr id="1" name=""/>
+        <p:cNvGrpSpPr/>
+        <p:nvPr/>
+      </p:nvGrpSpPr>
+      <p:grpSpPr>
+        <a:xfrm>
+          <a:off x="0" y="0"/>
+          <a:ext cx="0" cy="0"/>
+          <a:chOff x="0" y="0"/>
+          <a:chExt cx="0" cy="0"/>
+        </a:xfrm>
+      </p:grpSpPr>
+      <p:sp>
+        <p:nvSpPr>
+          <p:cNvPr id="2" name="Title 1"/>
+          <p:cNvSpPr>
+            <a:spLocks noGrp="1"/>
+          </p:cNvSpPr>
+          <p:nvPr>
+            <p:ph type="title"/>
+          </p:nvPr>
+        </p:nvSpPr>
+        <p:spPr/>
+        <p:txBody>
+          <a:bodyPr/>
+          <a:lstStyle/>
+          <a:p>
+            <a:r>
+              <a:rPr lang="en-US" dirty="0" smtClean="0"/>
+              <a:t>Rocket principle</a:t>
+            </a:r>
+            <a:endParaRPr lang="en-US" dirty="0"/>
+          </a:p>
+        </p:txBody>
+      </p:sp>
+      <p:sp>
+        <p:nvSpPr>
+          <p:cNvPr id="3" name="Content Placeholder 2"/>
+          <p:cNvSpPr>
+            <a:spLocks noGrp="1"/>
+          </p:cNvSpPr>
+          <p:nvPr>
+            <p:ph idx="1"/>
+          </p:nvPr>
+        </p:nvSpPr>
+        <p:spPr/>
+        <p:txBody>
+          <a:bodyPr/>
+          <a:lstStyle/>
+          <a:p>
+            <a:r>
+              <a:rPr lang="en-US" dirty="0"/>
+              <a:t>https://www.youtube.com/watch?v=SpWCOVNWUyo</a:t>
+            </a:r>
+          </a:p>
+        </p:txBody>
+      </p:sp>
+    </p:spTree>
+    <p:extLst>
+      <p:ext uri="{BB962C8B-B14F-4D97-AF65-F5344CB8AC3E}">
+        <p14:creationId xmlns:p14="http://schemas.microsoft.com/office/powerpoint/2010/main" val="3280705849"/>
+      </p:ext>
+    </p:extLst>
+  </p:cSld>
+  <p:clrMapOvr>
+    <a:masterClrMapping/>
+  </p:clrMapOvr>
+  <p:timing>
+    <p:tnLst>
+      <p:par>
+        <p:cTn id="1" dur="indefinite" restart="never" nodeType="tmRoot"/>
+      </p:par>
+    </p:tnLst>
+  </p:timing>
+</p:sld>
+</file>
+
+<file path=ppt/slides/slide16.xml><?xml version="1.0" encoding="utf-8"?>
+<p:sld xmlns:a="http://schemas.openxmlformats.org/drawingml/2006/main" xmlns:r="http://schemas.openxmlformats.org/officeDocument/2006/relationships" xmlns:p="http://schemas.openxmlformats.org/presentationml/2006/main">
+  <p:cSld>
+    <p:spTree>
+      <p:nvGrpSpPr>
+        <p:cNvPr id="1" name=""/>
+        <p:cNvGrpSpPr/>
+        <p:nvPr/>
+      </p:nvGrpSpPr>
+      <p:grpSpPr>
+        <a:xfrm>
+          <a:off x="0" y="0"/>
+          <a:ext cx="0" cy="0"/>
+          <a:chOff x="0" y="0"/>
+          <a:chExt cx="0" cy="0"/>
+        </a:xfrm>
+      </p:grpSpPr>
+      <p:sp>
+        <p:nvSpPr>
+          <p:cNvPr id="2" name="Title 1"/>
+          <p:cNvSpPr>
+            <a:spLocks noGrp="1"/>
+          </p:cNvSpPr>
+          <p:nvPr>
+            <p:ph type="title"/>
+          </p:nvPr>
+        </p:nvSpPr>
+        <p:spPr/>
+        <p:txBody>
+          <a:bodyPr/>
+          <a:lstStyle/>
+          <a:p>
+            <a:r>
+              <a:rPr lang="en-US" dirty="0" smtClean="0"/>
+              <a:t>Rocket principle</a:t>
+            </a:r>
+            <a:endParaRPr lang="en-US" dirty="0"/>
+          </a:p>
+        </p:txBody>
+      </p:sp>
+      <p:sp>
+        <p:nvSpPr>
+          <p:cNvPr id="3" name="Content Placeholder 2"/>
+          <p:cNvSpPr>
+            <a:spLocks noGrp="1"/>
+          </p:cNvSpPr>
+          <p:nvPr>
+            <p:ph sz="half" idx="1"/>
+          </p:nvPr>
+        </p:nvSpPr>
+        <p:spPr/>
+        <p:txBody>
+          <a:bodyPr>
+            <a:normAutofit fontScale="92500" lnSpcReduction="20000"/>
+          </a:bodyPr>
+          <a:lstStyle/>
+          <a:p>
+            <a:r>
+              <a:rPr lang="en-US" dirty="0" smtClean="0"/>
+              <a:t>A rocket launches itself by injecting some of its own mass downward.</a:t>
+            </a:r>
+          </a:p>
+          <a:p>
+            <a:r>
+              <a:rPr lang="en-US" dirty="0" smtClean="0"/>
+              <a:t>Before the launch the momentum of the rocket  was zero.</a:t>
+            </a:r>
+          </a:p>
+          <a:p>
+            <a:r>
+              <a:rPr lang="en-US" dirty="0" smtClean="0"/>
+              <a:t>If some mass goes downward it is going to have some momentum.</a:t>
+            </a:r>
+          </a:p>
+          <a:p>
+            <a:r>
+              <a:rPr lang="en-US" dirty="0" smtClean="0"/>
+              <a:t>Because of the conservation of the momentum the rocket has to have the same amount of momentum with opposite direction!</a:t>
+            </a:r>
+          </a:p>
+          <a:p>
+            <a:r>
+              <a:rPr lang="en-US" dirty="0" smtClean="0"/>
+              <a:t>So the rocket is going to move upward!</a:t>
+            </a:r>
+            <a:endParaRPr lang="en-US" dirty="0"/>
+          </a:p>
+        </p:txBody>
+      </p:sp>
+      <p:pic>
+        <p:nvPicPr>
+          <p:cNvPr id="1026" name="Picture 2" descr="Képtalálat a következőre: „spaceship launch”"/>
+          <p:cNvPicPr>
+            <a:picLocks noGrp="1" noChangeAspect="1" noChangeArrowheads="1"/>
+          </p:cNvPicPr>
+          <p:nvPr>
+            <p:ph sz="half" idx="2"/>
+          </p:nvPr>
+        </p:nvPicPr>
+        <p:blipFill>
+          <a:blip r:embed="rId2">
+            <a:extLst>
+              <a:ext uri="{28A0092B-C50C-407E-A947-70E740481C1C}">
+                <a14:useLocalDpi xmlns:a14="http://schemas.microsoft.com/office/drawing/2010/main" val="0"/>
+              </a:ext>
+            </a:extLst>
+          </a:blip>
+          <a:srcRect/>
+          <a:stretch>
+            <a:fillRect/>
+          </a:stretch>
+        </p:blipFill>
+        <p:spPr bwMode="auto">
+          <a:xfrm>
+            <a:off x="6172200" y="1541468"/>
+            <a:ext cx="5447674" cy="3579172"/>
+          </a:xfrm>
+          <a:prstGeom prst="rect">
+            <a:avLst/>
+          </a:prstGeom>
+          <a:noFill/>
+          <a:extLst>
+            <a:ext uri="{909E8E84-426E-40DD-AFC4-6F175D3DCCD1}">
+              <a14:hiddenFill xmlns:a14="http://schemas.microsoft.com/office/drawing/2010/main">
+                <a:solidFill>
+                  <a:srgbClr val="FFFFFF"/>
+                </a:solidFill>
+              </a14:hiddenFill>
+            </a:ext>
+          </a:extLst>
+        </p:spPr>
+      </p:pic>
+    </p:spTree>
+    <p:extLst>
+      <p:ext uri="{BB962C8B-B14F-4D97-AF65-F5344CB8AC3E}">
+        <p14:creationId xmlns:p14="http://schemas.microsoft.com/office/powerpoint/2010/main" val="824536742"/>
+      </p:ext>
+    </p:extLst>
+  </p:cSld>
+  <p:clrMapOvr>
+    <a:masterClrMapping/>
+  </p:clrMapOvr>
+  <p:timing>
+    <p:tnLst>
+      <p:par>
+        <p:cTn id="1" dur="indefinite" restart="never" nodeType="tmRoot">
+          <p:childTnLst>
+            <p:seq concurrent="1" nextAc="seek">
+              <p:cTn id="2" dur="indefinite" nodeType="mainSeq">
+                <p:childTnLst>
+                  <p:par>
+                    <p:cTn id="3" fill="hold">
+                      <p:stCondLst>
+                        <p:cond delay="indefinite"/>
+                      </p:stCondLst>
+                      <p:childTnLst>
+                        <p:par>
+                          <p:cTn id="4" fill="hold">
+                            <p:stCondLst>
+                              <p:cond delay="0"/>
+                            </p:stCondLst>
+                            <p:childTnLst>
+                              <p:par>
+                                <p:cTn id="5" presetID="42" presetClass="entr" presetSubtype="0" fill="hold" nodeType="clickEffect">
+                                  <p:stCondLst>
+                                    <p:cond delay="0"/>
+                                  </p:stCondLst>
+                                  <p:childTnLst>
+                                    <p:set>
+                                      <p:cBhvr>
+                                        <p:cTn id="6" dur="1" fill="hold">
+                                          <p:stCondLst>
+                                            <p:cond delay="0"/>
+                                          </p:stCondLst>
+                                        </p:cTn>
+                                        <p:tgtEl>
+                                          <p:spTgt spid="1026"/>
+                                        </p:tgtEl>
+                                        <p:attrNameLst>
+                                          <p:attrName>style.visibility</p:attrName>
+                                        </p:attrNameLst>
+                                      </p:cBhvr>
+                                      <p:to>
+                                        <p:strVal val="visible"/>
+                                      </p:to>
+                                    </p:set>
+                                    <p:animEffect transition="in" filter="fade">
+                                      <p:cBhvr>
+                                        <p:cTn id="7" dur="1000"/>
+                                        <p:tgtEl>
+                                          <p:spTgt spid="1026"/>
+                                        </p:tgtEl>
+                                      </p:cBhvr>
+                                    </p:animEffect>
+                                    <p:anim calcmode="lin" valueType="num">
+                                      <p:cBhvr>
+                                        <p:cTn id="8" dur="1000" fill="hold"/>
+                                        <p:tgtEl>
+                                          <p:spTgt spid="1026"/>
+                                        </p:tgtEl>
+                                        <p:attrNameLst>
+                                          <p:attrName>ppt_x</p:attrName>
+                                        </p:attrNameLst>
+                                      </p:cBhvr>
+                                      <p:tavLst>
+                                        <p:tav tm="0">
+                                          <p:val>
+                                            <p:strVal val="#ppt_x"/>
+                                          </p:val>
+                                        </p:tav>
+                                        <p:tav tm="100000">
+                                          <p:val>
+                                            <p:strVal val="#ppt_x"/>
+                                          </p:val>
+                                        </p:tav>
+                                      </p:tavLst>
+                                    </p:anim>
+                                    <p:anim calcmode="lin" valueType="num">
+                                      <p:cBhvr>
+                                        <p:cTn id="9" dur="1000" fill="hold"/>
+                                        <p:tgtEl>
+                                          <p:spTgt spid="1026"/>
+                                        </p:tgtEl>
+                                        <p:attrNameLst>
+                                          <p:attrName>ppt_y</p:attrName>
+                                        </p:attrNameLst>
+                                      </p:cBhvr>
+                                      <p:tavLst>
+                                        <p:tav tm="0">
+                                          <p:val>
+                                            <p:strVal val="#ppt_y+.1"/>
+                                          </p:val>
+                                        </p:tav>
+                                        <p:tav tm="100000">
+                                          <p:val>
+                                            <p:strVal val="#ppt_y"/>
+                                          </p:val>
+                                        </p:tav>
+                                      </p:tavLst>
+                                    </p:anim>
+                                  </p:childTnLst>
+                                </p:cTn>
+                              </p:par>
+                            </p:childTnLst>
+                          </p:cTn>
+                        </p:par>
+                      </p:childTnLst>
+                    </p:cTn>
+                  </p:par>
+                  <p:par>
+                    <p:cTn id="10" fill="hold">
+                      <p:stCondLst>
+                        <p:cond delay="indefinite"/>
+                      </p:stCondLst>
+                      <p:childTnLst>
+                        <p:par>
+                          <p:cTn id="11" fill="hold">
+                            <p:stCondLst>
+                              <p:cond delay="0"/>
+                            </p:stCondLst>
+                            <p:childTnLst>
+                              <p:par>
+                                <p:cTn id="12" presetID="42" presetClass="entr" presetSubtype="0" fill="hold" nodeType="clickEffect">
+                                  <p:stCondLst>
+                                    <p:cond delay="0"/>
+                                  </p:stCondLst>
+                                  <p:childTnLst>
+                                    <p:set>
+                                      <p:cBhvr>
+                                        <p:cTn id="13" dur="1" fill="hold">
+                                          <p:stCondLst>
+                                            <p:cond delay="0"/>
+                                          </p:stCondLst>
+                                        </p:cTn>
+                                        <p:tgtEl>
+                                          <p:spTgt spid="3">
+                                            <p:txEl>
+                                              <p:pRg st="0" end="0"/>
+                                            </p:txEl>
+                                          </p:spTgt>
+                                        </p:tgtEl>
+                                        <p:attrNameLst>
+                                          <p:attrName>style.visibility</p:attrName>
+                                        </p:attrNameLst>
+                                      </p:cBhvr>
+                                      <p:to>
+                                        <p:strVal val="visible"/>
+                                      </p:to>
+                                    </p:set>
+                                    <p:animEffect transition="in" filter="fade">
+                                      <p:cBhvr>
+                                        <p:cTn id="14" dur="1000"/>
+                                        <p:tgtEl>
+                                          <p:spTgt spid="3">
+                                            <p:txEl>
+                                              <p:pRg st="0" end="0"/>
+                                            </p:txEl>
+                                          </p:spTgt>
+                                        </p:tgtEl>
+                                      </p:cBhvr>
+                                    </p:animEffect>
+                                    <p:anim calcmode="lin" valueType="num">
+                                      <p:cBhvr>
+                                        <p:cTn id="15" dur="1000" fill="hold"/>
+                                        <p:tgtEl>
+                                          <p:spTgt spid="3">
+                                            <p:txEl>
+                                              <p:pRg st="0" end="0"/>
+                                            </p:txEl>
+                                          </p:spTgt>
+                                        </p:tgtEl>
+                                        <p:attrNameLst>
+                                          <p:attrName>ppt_x</p:attrName>
+                                        </p:attrNameLst>
+                                      </p:cBhvr>
+                                      <p:tavLst>
+                                        <p:tav tm="0">
+                                          <p:val>
+                                            <p:strVal val="#ppt_x"/>
+                                          </p:val>
+                                        </p:tav>
+                                        <p:tav tm="100000">
+                                          <p:val>
+                                            <p:strVal val="#ppt_x"/>
+                                          </p:val>
+                                        </p:tav>
+                                      </p:tavLst>
+                                    </p:anim>
+                                    <p:anim calcmode="lin" valueType="num">
+                                      <p:cBhvr>
+                                        <p:cTn id="16" dur="1000" fill="hold"/>
+                                        <p:tgtEl>
+                                          <p:spTgt spid="3">
+                                            <p:txEl>
+                                              <p:pRg st="0" end="0"/>
+                                            </p:txEl>
+                                          </p:spTgt>
+                                        </p:tgtEl>
+                                        <p:attrNameLst>
+                                          <p:attrName>ppt_y</p:attrName>
+                                        </p:attrNameLst>
+                                      </p:cBhvr>
+                                      <p:tavLst>
+                                        <p:tav tm="0">
+                                          <p:val>
+                                            <p:strVal val="#ppt_y+.1"/>
+                                          </p:val>
+                                        </p:tav>
+                                        <p:tav tm="100000">
+                                          <p:val>
+                                            <p:strVal val="#ppt_y"/>
+                                          </p:val>
+                                        </p:tav>
+                                      </p:tavLst>
+                                    </p:anim>
+                                  </p:childTnLst>
+                                </p:cTn>
+                              </p:par>
+                            </p:childTnLst>
+                          </p:cTn>
+                        </p:par>
+                      </p:childTnLst>
+                    </p:cTn>
+                  </p:par>
+                  <p:par>
+                    <p:cTn id="17" fill="hold">
+                      <p:stCondLst>
+                        <p:cond delay="indefinite"/>
+                      </p:stCondLst>
+                      <p:childTnLst>
+                        <p:par>
+                          <p:cTn id="18" fill="hold">
+                            <p:stCondLst>
+                              <p:cond delay="0"/>
+                            </p:stCondLst>
+                            <p:childTnLst>
+                              <p:par>
+                                <p:cTn id="19" presetID="42" presetClass="entr" presetSubtype="0" fill="hold" nodeType="clickEffect">
+                                  <p:stCondLst>
+                                    <p:cond delay="0"/>
+                                  </p:stCondLst>
+                                  <p:childTnLst>
+                                    <p:set>
+                                      <p:cBhvr>
+                                        <p:cTn id="20" dur="1" fill="hold">
+                                          <p:stCondLst>
+                                            <p:cond delay="0"/>
+                                          </p:stCondLst>
+                                        </p:cTn>
+                                        <p:tgtEl>
+                                          <p:spTgt spid="3">
+                                            <p:txEl>
+                                              <p:pRg st="1" end="1"/>
+                                            </p:txEl>
+                                          </p:spTgt>
+                                        </p:tgtEl>
+                                        <p:attrNameLst>
+                                          <p:attrName>style.visibility</p:attrName>
+                                        </p:attrNameLst>
+                                      </p:cBhvr>
+                                      <p:to>
+                                        <p:strVal val="visible"/>
+                                      </p:to>
+                                    </p:set>
+                                    <p:animEffect transition="in" filter="fade">
+                                      <p:cBhvr>
+                                        <p:cTn id="21" dur="1000"/>
+                                        <p:tgtEl>
+                                          <p:spTgt spid="3">
+                                            <p:txEl>
+                                              <p:pRg st="1" end="1"/>
+                                            </p:txEl>
+                                          </p:spTgt>
+                                        </p:tgtEl>
+                                      </p:cBhvr>
+                                    </p:animEffect>
+                                    <p:anim calcmode="lin" valueType="num">
+                                      <p:cBhvr>
+                                        <p:cTn id="22" dur="1000" fill="hold"/>
+                                        <p:tgtEl>
+                                          <p:spTgt spid="3">
+                                            <p:txEl>
+                                              <p:pRg st="1" end="1"/>
+                                            </p:txEl>
+                                          </p:spTgt>
+                                        </p:tgtEl>
+                                        <p:attrNameLst>
+                                          <p:attrName>ppt_x</p:attrName>
+                                        </p:attrNameLst>
+                                      </p:cBhvr>
+                                      <p:tavLst>
+                                        <p:tav tm="0">
+                                          <p:val>
+                                            <p:strVal val="#ppt_x"/>
+                                          </p:val>
+                                        </p:tav>
+                                        <p:tav tm="100000">
+                                          <p:val>
+                                            <p:strVal val="#ppt_x"/>
+                                          </p:val>
+                                        </p:tav>
+                                      </p:tavLst>
+                                    </p:anim>
+                                    <p:anim calcmode="lin" valueType="num">
+                                      <p:cBhvr>
+                                        <p:cTn id="23" dur="1000" fill="hold"/>
+                                        <p:tgtEl>
+                                          <p:spTgt spid="3">
+                                            <p:txEl>
+                                              <p:pRg st="1" end="1"/>
+                                            </p:txEl>
+                                          </p:spTgt>
+                                        </p:tgtEl>
+                                        <p:attrNameLst>
+                                          <p:attrName>ppt_y</p:attrName>
+                                        </p:attrNameLst>
+                                      </p:cBhvr>
+                                      <p:tavLst>
+                                        <p:tav tm="0">
+                                          <p:val>
+                                            <p:strVal val="#ppt_y+.1"/>
+                                          </p:val>
+                                        </p:tav>
+                                        <p:tav tm="100000">
+                                          <p:val>
+                                            <p:strVal val="#ppt_y"/>
+                                          </p:val>
+                                        </p:tav>
+                                      </p:tavLst>
+                                    </p:anim>
+                                  </p:childTnLst>
+                                </p:cTn>
+                              </p:par>
+                            </p:childTnLst>
+                          </p:cTn>
+                        </p:par>
+                      </p:childTnLst>
+                    </p:cTn>
+                  </p:par>
+                  <p:par>
+                    <p:cTn id="24" fill="hold">
+                      <p:stCondLst>
+                        <p:cond delay="indefinite"/>
+                      </p:stCondLst>
+                      <p:childTnLst>
+                        <p:par>
+                          <p:cTn id="25" fill="hold">
+                            <p:stCondLst>
+                              <p:cond delay="0"/>
+                            </p:stCondLst>
+                            <p:childTnLst>
+                              <p:par>
+                                <p:cTn id="26" presetID="42" presetClass="entr" presetSubtype="0" fill="hold" nodeType="clickEffect">
+                                  <p:stCondLst>
+                                    <p:cond delay="0"/>
+                                  </p:stCondLst>
+                                  <p:childTnLst>
+                                    <p:set>
+                                      <p:cBhvr>
+                                        <p:cTn id="27" dur="1" fill="hold">
+                                          <p:stCondLst>
+                                            <p:cond delay="0"/>
+                                          </p:stCondLst>
+                                        </p:cTn>
+                                        <p:tgtEl>
+                                          <p:spTgt spid="3">
+                                            <p:txEl>
+                                              <p:pRg st="2" end="2"/>
+                                            </p:txEl>
+                                          </p:spTgt>
+                                        </p:tgtEl>
+                                        <p:attrNameLst>
+                                          <p:attrName>style.visibility</p:attrName>
+                                        </p:attrNameLst>
+                                      </p:cBhvr>
+                                      <p:to>
+                                        <p:strVal val="visible"/>
+                                      </p:to>
+                                    </p:set>
+                                    <p:animEffect transition="in" filter="fade">
+                                      <p:cBhvr>
+                                        <p:cTn id="28" dur="1000"/>
+                                        <p:tgtEl>
+                                          <p:spTgt spid="3">
+                                            <p:txEl>
+                                              <p:pRg st="2" end="2"/>
+                                            </p:txEl>
+                                          </p:spTgt>
+                                        </p:tgtEl>
+                                      </p:cBhvr>
+                                    </p:animEffect>
+                                    <p:anim calcmode="lin" valueType="num">
+                                      <p:cBhvr>
+                                        <p:cTn id="29" dur="1000" fill="hold"/>
+                                        <p:tgtEl>
+                                          <p:spTgt spid="3">
+                                            <p:txEl>
+                                              <p:pRg st="2" end="2"/>
+                                            </p:txEl>
+                                          </p:spTgt>
+                                        </p:tgtEl>
+                                        <p:attrNameLst>
+                                          <p:attrName>ppt_x</p:attrName>
+                                        </p:attrNameLst>
+                                      </p:cBhvr>
+                                      <p:tavLst>
+                                        <p:tav tm="0">
+                                          <p:val>
+                                            <p:strVal val="#ppt_x"/>
+                                          </p:val>
+                                        </p:tav>
+                                        <p:tav tm="100000">
+                                          <p:val>
+                                            <p:strVal val="#ppt_x"/>
+                                          </p:val>
+                                        </p:tav>
+                                      </p:tavLst>
+                                    </p:anim>
+                                    <p:anim calcmode="lin" valueType="num">
+                                      <p:cBhvr>
+                                        <p:cTn id="30" dur="1000" fill="hold"/>
+                                        <p:tgtEl>
+                                          <p:spTgt spid="3">
+                                            <p:txEl>
+                                              <p:pRg st="2" end="2"/>
+                                            </p:txEl>
+                                          </p:spTgt>
+                                        </p:tgtEl>
+                                        <p:attrNameLst>
+                                          <p:attrName>ppt_y</p:attrName>
+                                        </p:attrNameLst>
+                                      </p:cBhvr>
+                                      <p:tavLst>
+                                        <p:tav tm="0">
+                                          <p:val>
+                                            <p:strVal val="#ppt_y+.1"/>
+                                          </p:val>
+                                        </p:tav>
+                                        <p:tav tm="100000">
+                                          <p:val>
+                                            <p:strVal val="#ppt_y"/>
+                                          </p:val>
+                                        </p:tav>
+                                      </p:tavLst>
+                                    </p:anim>
+                                  </p:childTnLst>
+                                </p:cTn>
+                              </p:par>
+                            </p:childTnLst>
+                          </p:cTn>
+                        </p:par>
+                      </p:childTnLst>
+                    </p:cTn>
+                  </p:par>
+                  <p:par>
+                    <p:cTn id="31" fill="hold">
+                      <p:stCondLst>
+                        <p:cond delay="indefinite"/>
+                      </p:stCondLst>
+                      <p:childTnLst>
+                        <p:par>
+                          <p:cTn id="32" fill="hold">
+                            <p:stCondLst>
+                              <p:cond delay="0"/>
+                            </p:stCondLst>
+                            <p:childTnLst>
+                              <p:par>
+                                <p:cTn id="33" presetID="42" presetClass="entr" presetSubtype="0" fill="hold" nodeType="clickEffect">
+                                  <p:stCondLst>
+                                    <p:cond delay="0"/>
+                                  </p:stCondLst>
+                                  <p:childTnLst>
+                                    <p:set>
+                                      <p:cBhvr>
+                                        <p:cTn id="34" dur="1" fill="hold">
+                                          <p:stCondLst>
+                                            <p:cond delay="0"/>
+                                          </p:stCondLst>
+                                        </p:cTn>
+                                        <p:tgtEl>
+                                          <p:spTgt spid="3">
+                                            <p:txEl>
+                                              <p:pRg st="3" end="3"/>
+                                            </p:txEl>
+                                          </p:spTgt>
+                                        </p:tgtEl>
+                                        <p:attrNameLst>
+                                          <p:attrName>style.visibility</p:attrName>
+                                        </p:attrNameLst>
+                                      </p:cBhvr>
+                                      <p:to>
+                                        <p:strVal val="visible"/>
+                                      </p:to>
+                                    </p:set>
+                                    <p:animEffect transition="in" filter="fade">
+                                      <p:cBhvr>
+                                        <p:cTn id="35" dur="1000"/>
+                                        <p:tgtEl>
+                                          <p:spTgt spid="3">
+                                            <p:txEl>
+                                              <p:pRg st="3" end="3"/>
+                                            </p:txEl>
+                                          </p:spTgt>
+                                        </p:tgtEl>
+                                      </p:cBhvr>
+                                    </p:animEffect>
+                                    <p:anim calcmode="lin" valueType="num">
+                                      <p:cBhvr>
+                                        <p:cTn id="36" dur="1000" fill="hold"/>
+                                        <p:tgtEl>
+                                          <p:spTgt spid="3">
+                                            <p:txEl>
+                                              <p:pRg st="3" end="3"/>
+                                            </p:txEl>
+                                          </p:spTgt>
+                                        </p:tgtEl>
+                                        <p:attrNameLst>
+                                          <p:attrName>ppt_x</p:attrName>
+                                        </p:attrNameLst>
+                                      </p:cBhvr>
+                                      <p:tavLst>
+                                        <p:tav tm="0">
+                                          <p:val>
+                                            <p:strVal val="#ppt_x"/>
+                                          </p:val>
+                                        </p:tav>
+                                        <p:tav tm="100000">
+                                          <p:val>
+                                            <p:strVal val="#ppt_x"/>
+                                          </p:val>
+                                        </p:tav>
+                                      </p:tavLst>
+                                    </p:anim>
+                                    <p:anim calcmode="lin" valueType="num">
+                                      <p:cBhvr>
+                                        <p:cTn id="37" dur="1000" fill="hold"/>
+                                        <p:tgtEl>
+                                          <p:spTgt spid="3">
+                                            <p:txEl>
+                                              <p:pRg st="3" end="3"/>
+                                            </p:txEl>
+                                          </p:spTgt>
+                                        </p:tgtEl>
+                                        <p:attrNameLst>
+                                          <p:attrName>ppt_y</p:attrName>
+                                        </p:attrNameLst>
+                                      </p:cBhvr>
+                                      <p:tavLst>
+                                        <p:tav tm="0">
+                                          <p:val>
+                                            <p:strVal val="#ppt_y+.1"/>
+                                          </p:val>
+                                        </p:tav>
+                                        <p:tav tm="100000">
+                                          <p:val>
+                                            <p:strVal val="#ppt_y"/>
+                                          </p:val>
+                                        </p:tav>
+                                      </p:tavLst>
+                                    </p:anim>
+                                  </p:childTnLst>
+                                </p:cTn>
+                              </p:par>
+                            </p:childTnLst>
+                          </p:cTn>
+                        </p:par>
+                      </p:childTnLst>
+                    </p:cTn>
+                  </p:par>
+                  <p:par>
+                    <p:cTn id="38" fill="hold">
+                      <p:stCondLst>
+                        <p:cond delay="indefinite"/>
+                      </p:stCondLst>
+                      <p:childTnLst>
+                        <p:par>
+                          <p:cTn id="39" fill="hold">
+                            <p:stCondLst>
+                              <p:cond delay="0"/>
+                            </p:stCondLst>
+                            <p:childTnLst>
+                              <p:par>
+                                <p:cTn id="40" presetID="42" presetClass="entr" presetSubtype="0" fill="hold" nodeType="clickEffect">
+                                  <p:stCondLst>
+                                    <p:cond delay="0"/>
+                                  </p:stCondLst>
+                                  <p:childTnLst>
+                                    <p:set>
+                                      <p:cBhvr>
+                                        <p:cTn id="41" dur="1" fill="hold">
+                                          <p:stCondLst>
+                                            <p:cond delay="0"/>
+                                          </p:stCondLst>
+                                        </p:cTn>
+                                        <p:tgtEl>
+                                          <p:spTgt spid="3">
+                                            <p:txEl>
+                                              <p:pRg st="4" end="4"/>
+                                            </p:txEl>
+                                          </p:spTgt>
+                                        </p:tgtEl>
+                                        <p:attrNameLst>
+                                          <p:attrName>style.visibility</p:attrName>
+                                        </p:attrNameLst>
+                                      </p:cBhvr>
+                                      <p:to>
+                                        <p:strVal val="visible"/>
+                                      </p:to>
+                                    </p:set>
+                                    <p:animEffect transition="in" filter="fade">
+                                      <p:cBhvr>
+                                        <p:cTn id="42" dur="1000"/>
+                                        <p:tgtEl>
+                                          <p:spTgt spid="3">
+                                            <p:txEl>
+                                              <p:pRg st="4" end="4"/>
+                                            </p:txEl>
+                                          </p:spTgt>
+                                        </p:tgtEl>
+                                      </p:cBhvr>
+                                    </p:animEffect>
+                                    <p:anim calcmode="lin" valueType="num">
+                                      <p:cBhvr>
+                                        <p:cTn id="43" dur="1000" fill="hold"/>
+                                        <p:tgtEl>
+                                          <p:spTgt spid="3">
+                                            <p:txEl>
+                                              <p:pRg st="4" end="4"/>
+                                            </p:txEl>
+                                          </p:spTgt>
+                                        </p:tgtEl>
+                                        <p:attrNameLst>
+                                          <p:attrName>ppt_x</p:attrName>
+                                        </p:attrNameLst>
+                                      </p:cBhvr>
+                                      <p:tavLst>
+                                        <p:tav tm="0">
+                                          <p:val>
+                                            <p:strVal val="#ppt_x"/>
+                                          </p:val>
+                                        </p:tav>
+                                        <p:tav tm="100000">
+                                          <p:val>
+                                            <p:strVal val="#ppt_x"/>
+                                          </p:val>
+                                        </p:tav>
+                                      </p:tavLst>
+                                    </p:anim>
+                                    <p:anim calcmode="lin" valueType="num">
+                                      <p:cBhvr>
+                                        <p:cTn id="44" dur="1000" fill="hold"/>
+                                        <p:tgtEl>
+                                          <p:spTgt spid="3">
+                                            <p:txEl>
+                                              <p:pRg st="4" end="4"/>
+                                            </p:txEl>
+                                          </p:spTgt>
+                                        </p:tgtEl>
+                                        <p:attrNameLst>
+                                          <p:attrName>ppt_y</p:attrName>
+                                        </p:attrNameLst>
+                                      </p:cBhvr>
+                                      <p:tavLst>
+                                        <p:tav tm="0">
+                                          <p:val>
+                                            <p:strVal val="#ppt_y+.1"/>
+                                          </p:val>
+                                        </p:tav>
+                                        <p:tav tm="100000">
+                                          <p:val>
+                                            <p:strVal val="#ppt_y"/>
+                                          </p:val>
+                                        </p:tav>
+                                      </p:tavLst>
+                                    </p:anim>
+                                  </p:childTnLst>
+                                </p:cTn>
+                              </p:par>
+                            </p:childTnLst>
+                          </p:cTn>
+                        </p:par>
+                      </p:childTnLst>
+                    </p:cTn>
+                  </p:par>
+                </p:childTnLst>
+              </p:cTn>
+              <p:prevCondLst>
+                <p:cond evt="onPrev" delay="0">
+                  <p:tgtEl>
+                    <p:sldTgt/>
+                  </p:tgtEl>
+                </p:cond>
+              </p:prevCondLst>
+              <p:nextCondLst>
+                <p:cond evt="onNext" delay="0">
+                  <p:tgtEl>
+                    <p:sldTgt/>
+                  </p:tgtEl>
+                </p:cond>
+              </p:nextCondLst>
+            </p:seq>
+          </p:childTnLst>
+        </p:cTn>
+      </p:par>
+    </p:tnLst>
+  </p:timing>
+</p:sld>
+</file>
+
 <file path=ppt/slides/slide2.xml><?xml version="1.0" encoding="utf-8"?>
 <p:sld xmlns:a="http://schemas.openxmlformats.org/drawingml/2006/main" xmlns:r="http://schemas.openxmlformats.org/officeDocument/2006/relationships" xmlns:p="http://schemas.openxmlformats.org/presentationml/2006/main">
   <p:cSld>
@@ -3994,14 +4932,27 @@
                   </a:rPr>
                   <a:t>https://www.youtube.com/watch?v=DoxkySFRrxI</a:t>
                 </a:r>
+              </a:p>
+              <a:p>
                 <a14:m>
                   <m:oMath xmlns:m="http://schemas.openxmlformats.org/officeDocument/2006/math">
-                    <m:r>
-                      <a:rPr lang="en-US" b="0" i="1" smtClean="0">
-                        <a:latin typeface="Cambria Math" panose="02040503050406030204" pitchFamily="18" charset="0"/>
-                      </a:rPr>
-                      <m:t>𝑝</m:t>
-                    </m:r>
+                    <m:bar>
+                      <m:barPr>
+                        <m:ctrlPr>
+                          <a:rPr lang="en-US" b="0" i="1" smtClean="0">
+                            <a:latin typeface="Cambria Math" panose="02040503050406030204" pitchFamily="18" charset="0"/>
+                          </a:rPr>
+                        </m:ctrlPr>
+                      </m:barPr>
+                      <m:e>
+                        <m:r>
+                          <a:rPr lang="en-US" b="0" i="1" smtClean="0">
+                            <a:latin typeface="Cambria Math" panose="02040503050406030204" pitchFamily="18" charset="0"/>
+                          </a:rPr>
+                          <m:t>𝑝</m:t>
+                        </m:r>
+                      </m:e>
+                    </m:bar>
                     <m:r>
                       <a:rPr lang="en-US" b="0" i="1" smtClean="0">
                         <a:latin typeface="Cambria Math" panose="02040503050406030204" pitchFamily="18" charset="0"/>
@@ -4113,7 +5064,7 @@
               <a:blipFill>
                 <a:blip r:embed="rId2"/>
                 <a:stretch>
-                  <a:fillRect l="-1043" t="-2661"/>
+                  <a:fillRect l="-1043" t="-2381"/>
                 </a:stretch>
               </a:blipFill>
             </p:spPr>
@@ -4466,6 +5417,121 @@
                                           <p:spTgt spid="3">
                                             <p:txEl>
                                               <p:pRg st="2" end="2"/>
+                                            </p:txEl>
+                                          </p:spTgt>
+                                        </p:tgtEl>
+                                        <p:attrNameLst>
+                                          <p:attrName>ppt_y</p:attrName>
+                                        </p:attrNameLst>
+                                      </p:cBhvr>
+                                      <p:tavLst>
+                                        <p:tav tm="0">
+                                          <p:val>
+                                            <p:strVal val="#ppt_y+.1"/>
+                                          </p:val>
+                                        </p:tav>
+                                        <p:tav tm="100000">
+                                          <p:val>
+                                            <p:strVal val="#ppt_y"/>
+                                          </p:val>
+                                        </p:tav>
+                                      </p:tavLst>
+                                    </p:anim>
+                                  </p:childTnLst>
+                                </p:cTn>
+                              </p:par>
+                            </p:childTnLst>
+                          </p:cTn>
+                        </p:par>
+                      </p:childTnLst>
+                    </p:cTn>
+                  </p:par>
+                  <p:par>
+                    <p:cTn id="24" fill="hold">
+                      <p:stCondLst>
+                        <p:cond delay="indefinite"/>
+                      </p:stCondLst>
+                      <p:childTnLst>
+                        <p:par>
+                          <p:cTn id="25" fill="hold">
+                            <p:stCondLst>
+                              <p:cond delay="0"/>
+                            </p:stCondLst>
+                            <p:childTnLst>
+                              <p:par>
+                                <p:cTn id="26" presetID="42" presetClass="entr" presetSubtype="0" fill="hold" nodeType="clickEffect">
+                                  <p:stCondLst>
+                                    <p:cond delay="0"/>
+                                  </p:stCondLst>
+                                  <p:childTnLst>
+                                    <p:set>
+                                      <p:cBhvr>
+                                        <p:cTn id="27" dur="1" fill="hold">
+                                          <p:stCondLst>
+                                            <p:cond delay="0"/>
+                                          </p:stCondLst>
+                                        </p:cTn>
+                                        <p:tgtEl>
+                                          <p:spTgt spid="3">
+                                            <p:txEl>
+                                              <p:pRg st="3" end="3"/>
+                                            </p:txEl>
+                                          </p:spTgt>
+                                        </p:tgtEl>
+                                        <p:attrNameLst>
+                                          <p:attrName>style.visibility</p:attrName>
+                                        </p:attrNameLst>
+                                      </p:cBhvr>
+                                      <p:to>
+                                        <p:strVal val="visible"/>
+                                      </p:to>
+                                    </p:set>
+                                    <p:animEffect transition="in" filter="fade">
+                                      <p:cBhvr>
+                                        <p:cTn id="28" dur="1000"/>
+                                        <p:tgtEl>
+                                          <p:spTgt spid="3">
+                                            <p:txEl>
+                                              <p:pRg st="3" end="3"/>
+                                            </p:txEl>
+                                          </p:spTgt>
+                                        </p:tgtEl>
+                                      </p:cBhvr>
+                                    </p:animEffect>
+                                    <p:anim calcmode="lin" valueType="num">
+                                      <p:cBhvr>
+                                        <p:cTn id="29" dur="1000" fill="hold"/>
+                                        <p:tgtEl>
+                                          <p:spTgt spid="3">
+                                            <p:txEl>
+                                              <p:pRg st="3" end="3"/>
+                                            </p:txEl>
+                                          </p:spTgt>
+                                        </p:tgtEl>
+                                        <p:attrNameLst>
+                                          <p:attrName>ppt_x</p:attrName>
+                                        </p:attrNameLst>
+                                      </p:cBhvr>
+                                      <p:tavLst>
+                                        <p:tav tm="0">
+                                          <p:val>
+                                            <p:strVal val="#ppt_x"/>
+                                          </p:val>
+                                        </p:tav>
+                                        <p:tav tm="100000">
+                                          <p:val>
+                                            <p:strVal val="#ppt_x"/>
+                                          </p:val>
+                                        </p:tav>
+                                      </p:tavLst>
+                                    </p:anim>
+                                    <p:anim calcmode="lin" valueType="num">
+                                      <p:cBhvr>
+                                        <p:cTn id="30" dur="1000" fill="hold"/>
+                                        <p:tgtEl>
+                                          <p:spTgt spid="3">
+                                            <p:txEl>
+                                              <p:pRg st="3" end="3"/>
                                             </p:txEl>
                                           </p:spTgt>
                                         </p:tgtEl>
@@ -5315,8 +6381,8 @@
           </a:p>
         </p:txBody>
       </p:sp>
-      <mc:AlternateContent xmlns:mc="http://schemas.openxmlformats.org/markup-compatibility/2006">
-        <mc:Choice xmlns:a14="http://schemas.microsoft.com/office/drawing/2010/main" Requires="a14">
+      <mc:AlternateContent xmlns:mc="http://schemas.openxmlformats.org/markup-compatibility/2006" xmlns:a14="http://schemas.microsoft.com/office/drawing/2010/main">
+        <mc:Choice Requires="a14">
           <p:sp>
             <p:nvSpPr>
               <p:cNvPr id="3" name="Content Placeholder 2"/>
@@ -5433,7 +6499,7 @@
             </p:txBody>
           </p:sp>
         </mc:Choice>
-        <mc:Fallback>
+        <mc:Fallback xmlns="">
           <p:sp>
             <p:nvSpPr>
               <p:cNvPr id="3" name="Content Placeholder 2"/>
@@ -8226,7 +9292,7 @@
         <p:spPr/>
         <p:txBody>
           <a:bodyPr>
-            <a:normAutofit fontScale="92500" lnSpcReduction="20000"/>
+            <a:normAutofit fontScale="85000" lnSpcReduction="10000"/>
           </a:bodyPr>
           <a:lstStyle/>
           <a:p>
@@ -8337,13 +9403,27 @@
                   <a:srgbClr val="FF0000"/>
                 </a:solidFill>
               </a:rPr>
-              <a:t> - that is, the total amount of momentum is a constant or unchanging value</a:t>
-            </a:r>
-            <a:r>
-              <a:rPr lang="en-US" dirty="0"/>
-              <a:t>. </a:t>
-            </a:r>
-            <a:endParaRPr lang="en-US" dirty="0" smtClean="0"/>
+              <a:t> - that is, the total amount of momentum is a constant or unchanging </a:t>
+            </a:r>
+            <a:r>
+              <a:rPr lang="en-US" dirty="0" smtClean="0">
+                <a:solidFill>
+                  <a:srgbClr val="FF0000"/>
+                </a:solidFill>
+              </a:rPr>
+              <a:t>value</a:t>
+            </a:r>
+            <a:endParaRPr lang="en-US" dirty="0"/>
+          </a:p>
+          <a:p>
+            <a:r>
+              <a:rPr lang="en-US" dirty="0">
+                <a:solidFill>
+                  <a:srgbClr val="FF0000"/>
+                </a:solidFill>
+              </a:rPr>
+              <a:t>It’s true only in case of isolated system</a:t>
+            </a:r>
           </a:p>
           <a:p>
             <a:r>
@@ -9298,6 +10378,121 @@
                                           <p:spTgt spid="3">
                                             <p:txEl>
                                               <p:pRg st="7" end="7"/>
+                                            </p:txEl>
+                                          </p:spTgt>
+                                        </p:tgtEl>
+                                        <p:attrNameLst>
+                                          <p:attrName>ppt_y</p:attrName>
+                                        </p:attrNameLst>
+                                      </p:cBhvr>
+                                      <p:tavLst>
+                                        <p:tav tm="0">
+                                          <p:val>
+                                            <p:strVal val="#ppt_y+.1"/>
+                                          </p:val>
+                                        </p:tav>
+                                        <p:tav tm="100000">
+                                          <p:val>
+                                            <p:strVal val="#ppt_y"/>
+                                          </p:val>
+                                        </p:tav>
+                                      </p:tavLst>
+                                    </p:anim>
+                                  </p:childTnLst>
+                                </p:cTn>
+                              </p:par>
+                            </p:childTnLst>
+                          </p:cTn>
+                        </p:par>
+                      </p:childTnLst>
+                    </p:cTn>
+                  </p:par>
+                  <p:par>
+                    <p:cTn id="59" fill="hold">
+                      <p:stCondLst>
+                        <p:cond delay="indefinite"/>
+                      </p:stCondLst>
+                      <p:childTnLst>
+                        <p:par>
+                          <p:cTn id="60" fill="hold">
+                            <p:stCondLst>
+                              <p:cond delay="0"/>
+                            </p:stCondLst>
+                            <p:childTnLst>
+                              <p:par>
+                                <p:cTn id="61" presetID="42" presetClass="entr" presetSubtype="0" fill="hold" nodeType="clickEffect">
+                                  <p:stCondLst>
+                                    <p:cond delay="0"/>
+                                  </p:stCondLst>
+                                  <p:childTnLst>
+                                    <p:set>
+                                      <p:cBhvr>
+                                        <p:cTn id="62" dur="1" fill="hold">
+                                          <p:stCondLst>
+                                            <p:cond delay="0"/>
+                                          </p:stCondLst>
+                                        </p:cTn>
+                                        <p:tgtEl>
+                                          <p:spTgt spid="3">
+                                            <p:txEl>
+                                              <p:pRg st="8" end="8"/>
+                                            </p:txEl>
+                                          </p:spTgt>
+                                        </p:tgtEl>
+                                        <p:attrNameLst>
+                                          <p:attrName>style.visibility</p:attrName>
+                                        </p:attrNameLst>
+                                      </p:cBhvr>
+                                      <p:to>
+                                        <p:strVal val="visible"/>
+                                      </p:to>
+                                    </p:set>
+                                    <p:animEffect transition="in" filter="fade">
+                                      <p:cBhvr>
+                                        <p:cTn id="63" dur="1000"/>
+                                        <p:tgtEl>
+                                          <p:spTgt spid="3">
+                                            <p:txEl>
+                                              <p:pRg st="8" end="8"/>
+                                            </p:txEl>
+                                          </p:spTgt>
+                                        </p:tgtEl>
+                                      </p:cBhvr>
+                                    </p:animEffect>
+                                    <p:anim calcmode="lin" valueType="num">
+                                      <p:cBhvr>
+                                        <p:cTn id="64" dur="1000" fill="hold"/>
+                                        <p:tgtEl>
+                                          <p:spTgt spid="3">
+                                            <p:txEl>
+                                              <p:pRg st="8" end="8"/>
+                                            </p:txEl>
+                                          </p:spTgt>
+                                        </p:tgtEl>
+                                        <p:attrNameLst>
+                                          <p:attrName>ppt_x</p:attrName>
+                                        </p:attrNameLst>
+                                      </p:cBhvr>
+                                      <p:tavLst>
+                                        <p:tav tm="0">
+                                          <p:val>
+                                            <p:strVal val="#ppt_x"/>
+                                          </p:val>
+                                        </p:tav>
+                                        <p:tav tm="100000">
+                                          <p:val>
+                                            <p:strVal val="#ppt_x"/>
+                                          </p:val>
+                                        </p:tav>
+                                      </p:tavLst>
+                                    </p:anim>
+                                    <p:anim calcmode="lin" valueType="num">
+                                      <p:cBhvr>
+                                        <p:cTn id="65" dur="1000" fill="hold"/>
+                                        <p:tgtEl>
+                                          <p:spTgt spid="3">
+                                            <p:txEl>
+                                              <p:pRg st="8" end="8"/>
                                             </p:txEl>
                                           </p:spTgt>
                                         </p:tgtEl>
